--- a/NEWPPT.pptx
+++ b/NEWPPT.pptx
@@ -3669,7 +3669,7 @@
       </dgm:t>
     </dgm:pt>
     <dgm:pt modelId="{62E3B6D8-61A1-4032-8756-6973F891C445}">
-      <dgm:prSet phldrT="[Text]"/>
+      <dgm:prSet phldrT="[Text]" custT="1"/>
       <dgm:spPr>
         <a:solidFill>
           <a:schemeClr val="accent5"/>
@@ -3680,10 +3680,14 @@
         <a:lstStyle/>
         <a:p>
           <a:r>
-            <a:rPr lang="en-US" dirty="0" smtClean="0"/>
-            <a:t>Good Idea about the sales.</a:t>
+            <a:rPr lang="en-US" sz="3000" dirty="0" smtClean="0"/>
+            <a:t>Good Idea about the sales</a:t>
           </a:r>
-          <a:endParaRPr lang="en-US" dirty="0"/>
+          <a:r>
+            <a:rPr lang="en-US" sz="2200" dirty="0" smtClean="0"/>
+            <a:t>.</a:t>
+          </a:r>
+          <a:endParaRPr lang="en-US" sz="2200" dirty="0"/>
         </a:p>
       </dgm:t>
     </dgm:pt>
@@ -3710,7 +3714,7 @@
       </dgm:t>
     </dgm:pt>
     <dgm:pt modelId="{80C50C56-7CA1-4D1A-8BD3-B47F407ECA6F}">
-      <dgm:prSet phldrT="[Text]"/>
+      <dgm:prSet phldrT="[Text]" custT="1"/>
       <dgm:spPr>
         <a:solidFill>
           <a:schemeClr val="accent5"/>
@@ -3726,10 +3730,10 @@
         <a:lstStyle/>
         <a:p>
           <a:r>
-            <a:rPr lang="en-US" dirty="0" smtClean="0"/>
+            <a:rPr lang="en-US" sz="3000" dirty="0" smtClean="0"/>
             <a:t>Profit for the company.</a:t>
           </a:r>
-          <a:endParaRPr lang="en-US" dirty="0"/>
+          <a:endParaRPr lang="en-US" sz="3000" dirty="0"/>
         </a:p>
       </dgm:t>
     </dgm:pt>
@@ -3756,7 +3760,7 @@
       </dgm:t>
     </dgm:pt>
     <dgm:pt modelId="{C5C85EAE-2AFA-4F27-820A-950B4D1A0A27}">
-      <dgm:prSet phldrT="[Text]"/>
+      <dgm:prSet phldrT="[Text]" custT="1"/>
       <dgm:spPr>
         <a:solidFill>
           <a:schemeClr val="accent5"/>
@@ -3767,10 +3771,10 @@
         <a:lstStyle/>
         <a:p>
           <a:r>
-            <a:rPr lang="en-US" dirty="0" smtClean="0"/>
+            <a:rPr lang="en-US" sz="3000" dirty="0" smtClean="0"/>
             <a:t>Knowledge about the popularity of the Car.</a:t>
           </a:r>
-          <a:endParaRPr lang="en-US" dirty="0"/>
+          <a:endParaRPr lang="en-US" sz="3000" dirty="0"/>
         </a:p>
       </dgm:t>
     </dgm:pt>
@@ -3829,7 +3833,7 @@
       </dgm:t>
     </dgm:pt>
     <dgm:pt modelId="{1B2CAF02-64AF-420F-8541-5C0B98E9C297}" type="pres">
-      <dgm:prSet presAssocID="{62E3B6D8-61A1-4032-8756-6973F891C445}" presName="parentText" presStyleLbl="node1" presStyleIdx="0" presStyleCnt="3">
+      <dgm:prSet presAssocID="{62E3B6D8-61A1-4032-8756-6973F891C445}" presName="parentText" presStyleLbl="node1" presStyleIdx="0" presStyleCnt="3" custScaleY="144710" custLinFactNeighborX="-5412" custLinFactNeighborY="-1226">
         <dgm:presLayoutVars>
           <dgm:chMax val="0"/>
           <dgm:bulletEnabled val="1"/>
@@ -3849,7 +3853,7 @@
       <dgm:spPr/>
     </dgm:pt>
     <dgm:pt modelId="{0F06CFA9-2167-4B2E-A9CD-E2C426A44556}" type="pres">
-      <dgm:prSet presAssocID="{62E3B6D8-61A1-4032-8756-6973F891C445}" presName="childText" presStyleLbl="conFgAcc1" presStyleIdx="0" presStyleCnt="3">
+      <dgm:prSet presAssocID="{62E3B6D8-61A1-4032-8756-6973F891C445}" presName="childText" presStyleLbl="conFgAcc1" presStyleIdx="0" presStyleCnt="3" custScaleY="136577">
         <dgm:presLayoutVars>
           <dgm:bulletEnabled val="1"/>
         </dgm:presLayoutVars>
@@ -3876,7 +3880,7 @@
       </dgm:t>
     </dgm:pt>
     <dgm:pt modelId="{6DB8DB64-FD9D-42BD-80EC-7D4708EF886B}" type="pres">
-      <dgm:prSet presAssocID="{80C50C56-7CA1-4D1A-8BD3-B47F407ECA6F}" presName="parentText" presStyleLbl="node1" presStyleIdx="1" presStyleCnt="3">
+      <dgm:prSet presAssocID="{80C50C56-7CA1-4D1A-8BD3-B47F407ECA6F}" presName="parentText" presStyleLbl="node1" presStyleIdx="1" presStyleCnt="3" custScaleY="144613">
         <dgm:presLayoutVars>
           <dgm:chMax val="0"/>
           <dgm:bulletEnabled val="1"/>
@@ -3896,7 +3900,7 @@
       <dgm:spPr/>
     </dgm:pt>
     <dgm:pt modelId="{F5800B87-0203-4375-AC68-C3DC33466947}" type="pres">
-      <dgm:prSet presAssocID="{80C50C56-7CA1-4D1A-8BD3-B47F407ECA6F}" presName="childText" presStyleLbl="conFgAcc1" presStyleIdx="1" presStyleCnt="3">
+      <dgm:prSet presAssocID="{80C50C56-7CA1-4D1A-8BD3-B47F407ECA6F}" presName="childText" presStyleLbl="conFgAcc1" presStyleIdx="1" presStyleCnt="3" custScaleY="152148">
         <dgm:presLayoutVars>
           <dgm:bulletEnabled val="1"/>
         </dgm:presLayoutVars>
@@ -3923,7 +3927,7 @@
       </dgm:t>
     </dgm:pt>
     <dgm:pt modelId="{1F7219D8-23FB-44DF-8EB7-4FE0A360FC5E}" type="pres">
-      <dgm:prSet presAssocID="{C5C85EAE-2AFA-4F27-820A-950B4D1A0A27}" presName="parentText" presStyleLbl="node1" presStyleIdx="2" presStyleCnt="3">
+      <dgm:prSet presAssocID="{C5C85EAE-2AFA-4F27-820A-950B4D1A0A27}" presName="parentText" presStyleLbl="node1" presStyleIdx="2" presStyleCnt="3" custScaleX="110736" custScaleY="146042">
         <dgm:presLayoutVars>
           <dgm:chMax val="0"/>
           <dgm:bulletEnabled val="1"/>
@@ -3943,7 +3947,7 @@
       <dgm:spPr/>
     </dgm:pt>
     <dgm:pt modelId="{51407EA5-CBC4-41AD-BB1C-05D558C814D7}" type="pres">
-      <dgm:prSet presAssocID="{C5C85EAE-2AFA-4F27-820A-950B4D1A0A27}" presName="childText" presStyleLbl="conFgAcc1" presStyleIdx="2" presStyleCnt="3">
+      <dgm:prSet presAssocID="{C5C85EAE-2AFA-4F27-820A-950B4D1A0A27}" presName="childText" presStyleLbl="conFgAcc1" presStyleIdx="2" presStyleCnt="3" custScaleY="141751">
         <dgm:presLayoutVars>
           <dgm:bulletEnabled val="1"/>
         </dgm:presLayoutVars>
@@ -4017,19 +4021,7 @@
         <a:p>
           <a:r>
             <a:rPr lang="en-US" dirty="0" smtClean="0"/>
-            <a:t>Fulfill </a:t>
-          </a:r>
-          <a:r>
-            <a:rPr lang="en-US" smtClean="0"/>
-            <a:t>the </a:t>
-          </a:r>
-          <a:r>
-            <a:rPr lang="en-US" smtClean="0"/>
-            <a:t>demands</a:t>
-          </a:r>
-          <a:r>
-            <a:rPr lang="en-US" dirty="0" smtClean="0"/>
-            <a:t>. </a:t>
+            <a:t>Fulfill the demands. </a:t>
           </a:r>
           <a:endParaRPr lang="en-US" dirty="0"/>
         </a:p>
@@ -5324,8 +5316,8 @@
       </dsp:nvSpPr>
       <dsp:spPr>
         <a:xfrm>
-          <a:off x="0" y="1023590"/>
-          <a:ext cx="9112586" cy="529200"/>
+          <a:off x="0" y="623046"/>
+          <a:ext cx="9386345" cy="757182"/>
         </a:xfrm>
         <a:prstGeom prst="rect">
           <a:avLst/>
@@ -5372,8 +5364,8 @@
       </dsp:nvSpPr>
       <dsp:spPr>
         <a:xfrm>
-          <a:off x="455629" y="713630"/>
-          <a:ext cx="6378810" cy="619920"/>
+          <a:off x="443917" y="0"/>
+          <a:ext cx="6570441" cy="939804"/>
         </a:xfrm>
         <a:prstGeom prst="roundRect">
           <a:avLst/>
@@ -5409,12 +5401,12 @@
         </a:fontRef>
       </dsp:style>
       <dsp:txBody>
-        <a:bodyPr spcFirstLastPara="0" vert="horz" wrap="square" lIns="241104" tIns="0" rIns="241104" bIns="0" numCol="1" spcCol="1270" anchor="ctr" anchorCtr="0">
+        <a:bodyPr spcFirstLastPara="0" vert="horz" wrap="square" lIns="248347" tIns="0" rIns="248347" bIns="0" numCol="1" spcCol="1270" anchor="ctr" anchorCtr="0">
           <a:noAutofit/>
         </a:bodyPr>
         <a:lstStyle/>
         <a:p>
-          <a:pPr lvl="0" algn="l" defTabSz="933450">
+          <a:pPr lvl="0" algn="l" defTabSz="1333500">
             <a:lnSpc>
               <a:spcPct val="90000"/>
             </a:lnSpc>
@@ -5426,15 +5418,19 @@
             </a:spcAft>
           </a:pPr>
           <a:r>
-            <a:rPr lang="en-US" sz="2100" kern="1200" dirty="0" smtClean="0"/>
-            <a:t>Good Idea about the sales.</a:t>
+            <a:rPr lang="en-US" sz="3000" kern="1200" dirty="0" smtClean="0"/>
+            <a:t>Good Idea about the sales</a:t>
           </a:r>
-          <a:endParaRPr lang="en-US" sz="2100" kern="1200" dirty="0"/>
+          <a:r>
+            <a:rPr lang="en-US" sz="2200" kern="1200" dirty="0" smtClean="0"/>
+            <a:t>.</a:t>
+          </a:r>
+          <a:endParaRPr lang="en-US" sz="2200" kern="1200" dirty="0"/>
         </a:p>
       </dsp:txBody>
       <dsp:txXfrm>
-        <a:off x="485891" y="743892"/>
-        <a:ext cx="6318286" cy="559396"/>
+        <a:off x="489794" y="45877"/>
+        <a:ext cx="6478687" cy="848050"/>
       </dsp:txXfrm>
     </dsp:sp>
     <dsp:sp modelId="{F5800B87-0203-4375-AC68-C3DC33466947}">
@@ -5444,8 +5440,8 @@
       </dsp:nvSpPr>
       <dsp:spPr>
         <a:xfrm>
-          <a:off x="0" y="1976150"/>
-          <a:ext cx="9112586" cy="529200"/>
+          <a:off x="0" y="2113484"/>
+          <a:ext cx="9386345" cy="843508"/>
         </a:xfrm>
         <a:prstGeom prst="rect">
           <a:avLst/>
@@ -5492,8 +5488,8 @@
       </dsp:nvSpPr>
       <dsp:spPr>
         <a:xfrm>
-          <a:off x="455629" y="1666190"/>
-          <a:ext cx="6378810" cy="619920"/>
+          <a:off x="469317" y="1499029"/>
+          <a:ext cx="6570441" cy="939174"/>
         </a:xfrm>
         <a:prstGeom prst="roundRect">
           <a:avLst/>
@@ -5524,12 +5520,12 @@
         </a:fontRef>
       </dsp:style>
       <dsp:txBody>
-        <a:bodyPr spcFirstLastPara="0" vert="horz" wrap="square" lIns="241104" tIns="0" rIns="241104" bIns="0" numCol="1" spcCol="1270" anchor="ctr" anchorCtr="0">
+        <a:bodyPr spcFirstLastPara="0" vert="horz" wrap="square" lIns="248347" tIns="0" rIns="248347" bIns="0" numCol="1" spcCol="1270" anchor="ctr" anchorCtr="0">
           <a:noAutofit/>
         </a:bodyPr>
         <a:lstStyle/>
         <a:p>
-          <a:pPr lvl="0" algn="l" defTabSz="933450">
+          <a:pPr lvl="0" algn="l" defTabSz="1333500">
             <a:lnSpc>
               <a:spcPct val="90000"/>
             </a:lnSpc>
@@ -5541,15 +5537,15 @@
             </a:spcAft>
           </a:pPr>
           <a:r>
-            <a:rPr lang="en-US" sz="2100" kern="1200" dirty="0" smtClean="0"/>
+            <a:rPr lang="en-US" sz="3000" kern="1200" dirty="0" smtClean="0"/>
             <a:t>Profit for the company.</a:t>
           </a:r>
-          <a:endParaRPr lang="en-US" sz="2100" kern="1200" dirty="0"/>
+          <a:endParaRPr lang="en-US" sz="3000" kern="1200" dirty="0"/>
         </a:p>
       </dsp:txBody>
       <dsp:txXfrm>
-        <a:off x="485891" y="1696452"/>
-        <a:ext cx="6318286" cy="559396"/>
+        <a:off x="515164" y="1544876"/>
+        <a:ext cx="6478747" cy="847480"/>
       </dsp:txXfrm>
     </dsp:sp>
     <dsp:sp modelId="{51407EA5-CBC4-41AD-BB1C-05D558C814D7}">
@@ -5559,8 +5555,8 @@
       </dsp:nvSpPr>
       <dsp:spPr>
         <a:xfrm>
-          <a:off x="0" y="2928710"/>
-          <a:ext cx="9112586" cy="529200"/>
+          <a:off x="0" y="3699528"/>
+          <a:ext cx="9386345" cy="785867"/>
         </a:xfrm>
         <a:prstGeom prst="rect">
           <a:avLst/>
@@ -5607,8 +5603,8 @@
       </dsp:nvSpPr>
       <dsp:spPr>
         <a:xfrm>
-          <a:off x="455629" y="2618750"/>
-          <a:ext cx="6378810" cy="619920"/>
+          <a:off x="469317" y="3075792"/>
+          <a:ext cx="7275844" cy="948455"/>
         </a:xfrm>
         <a:prstGeom prst="roundRect">
           <a:avLst/>
@@ -5644,12 +5640,12 @@
         </a:fontRef>
       </dsp:style>
       <dsp:txBody>
-        <a:bodyPr spcFirstLastPara="0" vert="horz" wrap="square" lIns="241104" tIns="0" rIns="241104" bIns="0" numCol="1" spcCol="1270" anchor="ctr" anchorCtr="0">
+        <a:bodyPr spcFirstLastPara="0" vert="horz" wrap="square" lIns="248347" tIns="0" rIns="248347" bIns="0" numCol="1" spcCol="1270" anchor="ctr" anchorCtr="0">
           <a:noAutofit/>
         </a:bodyPr>
         <a:lstStyle/>
         <a:p>
-          <a:pPr lvl="0" algn="l" defTabSz="933450">
+          <a:pPr lvl="0" algn="l" defTabSz="1333500">
             <a:lnSpc>
               <a:spcPct val="90000"/>
             </a:lnSpc>
@@ -5661,15 +5657,15 @@
             </a:spcAft>
           </a:pPr>
           <a:r>
-            <a:rPr lang="en-US" sz="2100" kern="1200" dirty="0" smtClean="0"/>
+            <a:rPr lang="en-US" sz="3000" kern="1200" dirty="0" smtClean="0"/>
             <a:t>Knowledge about the popularity of the Car.</a:t>
           </a:r>
-          <a:endParaRPr lang="en-US" sz="2100" kern="1200" dirty="0"/>
+          <a:endParaRPr lang="en-US" sz="3000" kern="1200" dirty="0"/>
         </a:p>
       </dsp:txBody>
       <dsp:txXfrm>
-        <a:off x="485891" y="2649012"/>
-        <a:ext cx="6318286" cy="559396"/>
+        <a:off x="515617" y="3122092"/>
+        <a:ext cx="7183244" cy="855855"/>
       </dsp:txXfrm>
     </dsp:sp>
   </dsp:spTree>
@@ -5794,19 +5790,7 @@
           </a:pPr>
           <a:r>
             <a:rPr lang="en-US" sz="3000" kern="1200" dirty="0" smtClean="0"/>
-            <a:t>Fulfill </a:t>
-          </a:r>
-          <a:r>
-            <a:rPr lang="en-US" sz="3000" kern="1200" smtClean="0"/>
-            <a:t>the </a:t>
-          </a:r>
-          <a:r>
-            <a:rPr lang="en-US" sz="3000" kern="1200" smtClean="0"/>
-            <a:t>demands</a:t>
-          </a:r>
-          <a:r>
-            <a:rPr lang="en-US" sz="3000" kern="1200" dirty="0" smtClean="0"/>
-            <a:t>. </a:t>
+            <a:t>Fulfill the demands. </a:t>
           </a:r>
           <a:endParaRPr lang="en-US" sz="3000" kern="1200" dirty="0"/>
         </a:p>
@@ -11923,7 +11907,7 @@
           <a:p>
             <a:fld id="{CC6A9467-8ED3-4A6D-810B-9C4480FE89FA}" type="datetimeFigureOut">
               <a:rPr lang="en-US" smtClean="0"/>
-              <a:t>5/15/2018</a:t>
+              <a:t>5/16/2018</a:t>
             </a:fld>
             <a:endParaRPr lang="en-US"/>
           </a:p>
@@ -12567,7 +12551,7 @@
           <a:p>
             <a:fld id="{5FB7787A-351D-4AB4-B5CA-A5CA50F4187E}" type="datetimeFigureOut">
               <a:rPr lang="en-US" smtClean="0"/>
-              <a:t>5/15/2018</a:t>
+              <a:t>5/16/2018</a:t>
             </a:fld>
             <a:endParaRPr lang="en-US"/>
           </a:p>
@@ -13008,7 +12992,7 @@
           <a:p>
             <a:fld id="{5FB7787A-351D-4AB4-B5CA-A5CA50F4187E}" type="datetimeFigureOut">
               <a:rPr lang="en-US" smtClean="0"/>
-              <a:t>5/15/2018</a:t>
+              <a:t>5/16/2018</a:t>
             </a:fld>
             <a:endParaRPr lang="en-US"/>
           </a:p>
@@ -13258,7 +13242,7 @@
           <a:p>
             <a:fld id="{5FB7787A-351D-4AB4-B5CA-A5CA50F4187E}" type="datetimeFigureOut">
               <a:rPr lang="en-US" smtClean="0"/>
-              <a:t>5/15/2018</a:t>
+              <a:t>5/16/2018</a:t>
             </a:fld>
             <a:endParaRPr lang="en-US"/>
           </a:p>
@@ -13566,7 +13550,7 @@
           <a:p>
             <a:fld id="{5FB7787A-351D-4AB4-B5CA-A5CA50F4187E}" type="datetimeFigureOut">
               <a:rPr lang="en-US" smtClean="0"/>
-              <a:t>5/15/2018</a:t>
+              <a:t>5/16/2018</a:t>
             </a:fld>
             <a:endParaRPr lang="en-US"/>
           </a:p>
@@ -13884,7 +13868,7 @@
           <a:p>
             <a:fld id="{5FB7787A-351D-4AB4-B5CA-A5CA50F4187E}" type="datetimeFigureOut">
               <a:rPr lang="en-US" smtClean="0"/>
-              <a:t>5/15/2018</a:t>
+              <a:t>5/16/2018</a:t>
             </a:fld>
             <a:endParaRPr lang="en-US"/>
           </a:p>
@@ -14186,7 +14170,7 @@
           <a:p>
             <a:fld id="{5FB7787A-351D-4AB4-B5CA-A5CA50F4187E}" type="datetimeFigureOut">
               <a:rPr lang="en-US" smtClean="0"/>
-              <a:t>5/15/2018</a:t>
+              <a:t>5/16/2018</a:t>
             </a:fld>
             <a:endParaRPr lang="en-US"/>
           </a:p>
@@ -14553,7 +14537,7 @@
           <a:p>
             <a:fld id="{5FB7787A-351D-4AB4-B5CA-A5CA50F4187E}" type="datetimeFigureOut">
               <a:rPr lang="en-US" smtClean="0"/>
-              <a:t>5/15/2018</a:t>
+              <a:t>5/16/2018</a:t>
             </a:fld>
             <a:endParaRPr lang="en-US"/>
           </a:p>
@@ -14727,7 +14711,7 @@
           <a:p>
             <a:fld id="{5FB7787A-351D-4AB4-B5CA-A5CA50F4187E}" type="datetimeFigureOut">
               <a:rPr lang="en-US" smtClean="0"/>
-              <a:t>5/15/2018</a:t>
+              <a:t>5/16/2018</a:t>
             </a:fld>
             <a:endParaRPr lang="en-US"/>
           </a:p>
@@ -14907,7 +14891,7 @@
           <a:p>
             <a:fld id="{5FB7787A-351D-4AB4-B5CA-A5CA50F4187E}" type="datetimeFigureOut">
               <a:rPr lang="en-US" smtClean="0"/>
-              <a:t>5/15/2018</a:t>
+              <a:t>5/16/2018</a:t>
             </a:fld>
             <a:endParaRPr lang="en-US"/>
           </a:p>
@@ -15301,7 +15285,7 @@
           <a:p>
             <a:fld id="{5FB7787A-351D-4AB4-B5CA-A5CA50F4187E}" type="datetimeFigureOut">
               <a:rPr lang="en-US" smtClean="0"/>
-              <a:t>5/15/2018</a:t>
+              <a:t>5/16/2018</a:t>
             </a:fld>
             <a:endParaRPr lang="en-US"/>
           </a:p>
@@ -15551,7 +15535,7 @@
           <a:p>
             <a:fld id="{5FB7787A-351D-4AB4-B5CA-A5CA50F4187E}" type="datetimeFigureOut">
               <a:rPr lang="en-US" smtClean="0"/>
-              <a:t>5/15/2018</a:t>
+              <a:t>5/16/2018</a:t>
             </a:fld>
             <a:endParaRPr lang="en-US"/>
           </a:p>
@@ -15787,7 +15771,7 @@
           <a:p>
             <a:fld id="{5FB7787A-351D-4AB4-B5CA-A5CA50F4187E}" type="datetimeFigureOut">
               <a:rPr lang="en-US" smtClean="0"/>
-              <a:t>5/15/2018</a:t>
+              <a:t>5/16/2018</a:t>
             </a:fld>
             <a:endParaRPr lang="en-US"/>
           </a:p>
@@ -16174,7 +16158,7 @@
           <a:p>
             <a:fld id="{5FB7787A-351D-4AB4-B5CA-A5CA50F4187E}" type="datetimeFigureOut">
               <a:rPr lang="en-US" smtClean="0"/>
-              <a:t>5/15/2018</a:t>
+              <a:t>5/16/2018</a:t>
             </a:fld>
             <a:endParaRPr lang="en-US"/>
           </a:p>
@@ -16297,7 +16281,7 @@
           <a:p>
             <a:fld id="{5FB7787A-351D-4AB4-B5CA-A5CA50F4187E}" type="datetimeFigureOut">
               <a:rPr lang="en-US" smtClean="0"/>
-              <a:t>5/15/2018</a:t>
+              <a:t>5/16/2018</a:t>
             </a:fld>
             <a:endParaRPr lang="en-US"/>
           </a:p>
@@ -16392,7 +16376,7 @@
           <a:p>
             <a:fld id="{5FB7787A-351D-4AB4-B5CA-A5CA50F4187E}" type="datetimeFigureOut">
               <a:rPr lang="en-US" smtClean="0"/>
-              <a:t>5/15/2018</a:t>
+              <a:t>5/16/2018</a:t>
             </a:fld>
             <a:endParaRPr lang="en-US"/>
           </a:p>
@@ -16652,7 +16636,7 @@
           <a:p>
             <a:fld id="{5FB7787A-351D-4AB4-B5CA-A5CA50F4187E}" type="datetimeFigureOut">
               <a:rPr lang="en-US" smtClean="0"/>
-              <a:t>5/15/2018</a:t>
+              <a:t>5/16/2018</a:t>
             </a:fld>
             <a:endParaRPr lang="en-US"/>
           </a:p>
@@ -16940,7 +16924,7 @@
           <a:p>
             <a:fld id="{5FB7787A-351D-4AB4-B5CA-A5CA50F4187E}" type="datetimeFigureOut">
               <a:rPr lang="en-US" smtClean="0"/>
-              <a:t>5/15/2018</a:t>
+              <a:t>5/16/2018</a:t>
             </a:fld>
             <a:endParaRPr lang="en-US"/>
           </a:p>
@@ -17346,7 +17330,7 @@
           <a:p>
             <a:fld id="{5FB7787A-351D-4AB4-B5CA-A5CA50F4187E}" type="datetimeFigureOut">
               <a:rPr lang="en-US" smtClean="0"/>
-              <a:t>5/15/2018</a:t>
+              <a:t>5/16/2018</a:t>
             </a:fld>
             <a:endParaRPr lang="en-US"/>
           </a:p>
@@ -18213,16 +18197,49 @@
         <p:spPr>
           <a:xfrm>
             <a:off x="2661834" y="4790765"/>
-            <a:ext cx="8778361" cy="1631793"/>
+            <a:ext cx="8778361" cy="1648465"/>
           </a:xfrm>
           <a:prstGeom prst="rect">
             <a:avLst/>
           </a:prstGeom>
-          <a:solidFill>
-            <a:schemeClr val="accent3">
-              <a:lumMod val="75000"/>
-            </a:schemeClr>
-          </a:solidFill>
+          <a:gradFill>
+            <a:gsLst>
+              <a:gs pos="77000">
+                <a:schemeClr val="accent5">
+                  <a:lumMod val="75000"/>
+                </a:schemeClr>
+              </a:gs>
+              <a:gs pos="46000">
+                <a:schemeClr val="accent5">
+                  <a:lumMod val="60000"/>
+                  <a:lumOff val="40000"/>
+                </a:schemeClr>
+              </a:gs>
+              <a:gs pos="30000">
+                <a:schemeClr val="accent5">
+                  <a:lumMod val="40000"/>
+                  <a:lumOff val="60000"/>
+                </a:schemeClr>
+              </a:gs>
+              <a:gs pos="10000">
+                <a:schemeClr val="accent5">
+                  <a:lumMod val="20000"/>
+                  <a:lumOff val="80000"/>
+                </a:schemeClr>
+              </a:gs>
+              <a:gs pos="93000">
+                <a:schemeClr val="accent5">
+                  <a:lumMod val="50000"/>
+                </a:schemeClr>
+              </a:gs>
+            </a:gsLst>
+            <a:lin ang="6120000" scaled="1"/>
+          </a:gradFill>
+          <a:effectLst>
+            <a:outerShdw dir="5400000" algn="ctr" rotWithShape="0">
+              <a:schemeClr val="tx1"/>
+            </a:outerShdw>
+          </a:effectLst>
         </p:spPr>
         <p:txBody>
           <a:bodyPr wrap="square">
@@ -18236,9 +18253,11 @@
               </a:lnSpc>
             </a:pPr>
             <a:r>
-              <a:rPr lang="en-US" sz="2223" dirty="0">
+              <a:rPr lang="en-US" sz="2400" b="1" dirty="0">
                 <a:solidFill>
-                  <a:schemeClr val="bg1"/>
+                  <a:schemeClr val="accent6">
+                    <a:lumMod val="75000"/>
+                  </a:schemeClr>
                 </a:solidFill>
                 <a:effectLst>
                   <a:outerShdw blurRad="38100" dist="38100" dir="2700000" algn="tl">
@@ -18256,9 +18275,11 @@
               </a:lnSpc>
             </a:pPr>
             <a:r>
-              <a:rPr lang="en-US" sz="2223" dirty="0">
+              <a:rPr lang="en-US" sz="2400" b="1" dirty="0">
                 <a:solidFill>
-                  <a:schemeClr val="bg1"/>
+                  <a:schemeClr val="accent6">
+                    <a:lumMod val="75000"/>
+                  </a:schemeClr>
                 </a:solidFill>
                 <a:effectLst>
                   <a:outerShdw blurRad="38100" dist="38100" dir="2700000" algn="tl">
@@ -19159,16 +19180,16 @@
           <a:lstStyle/>
           <a:p>
             <a:r>
-              <a:rPr lang="en-US" sz="2001" dirty="0"/>
+              <a:rPr lang="en-US" sz="2001" b="1" dirty="0"/>
               <a:t>The Following supervised learning algorithms to perform data mining and statistic analysis in order to determine Car and OEM sales.</a:t>
             </a:r>
           </a:p>
           <a:p>
-            <a:endParaRPr lang="en-US" sz="2001" dirty="0"/>
+            <a:endParaRPr lang="en-US" sz="2001" b="1" dirty="0"/>
           </a:p>
           <a:p>
             <a:r>
-              <a:rPr lang="en-US" sz="2001" dirty="0"/>
+              <a:rPr lang="en-US" sz="2001" b="1" dirty="0"/>
               <a:t>Here data set is in the form of structure .We should  use supervised learning to deal with structural data.</a:t>
             </a:r>
           </a:p>
@@ -19566,21 +19587,21 @@
                 <a:gridCol w="2973867">
                   <a:extLst>
                     <a:ext uri="{9D8B030D-6E8A-4147-A177-3AD203B41FA5}">
-                      <a16:colId xmlns:a16="http://schemas.microsoft.com/office/drawing/2014/main" xmlns="" val="20000"/>
+                      <a16:colId xmlns="" xmlns:a16="http://schemas.microsoft.com/office/drawing/2014/main" val="20000"/>
                     </a:ext>
                   </a:extLst>
                 </a:gridCol>
                 <a:gridCol w="3309365">
                   <a:extLst>
                     <a:ext uri="{9D8B030D-6E8A-4147-A177-3AD203B41FA5}">
-                      <a16:colId xmlns:a16="http://schemas.microsoft.com/office/drawing/2014/main" xmlns="" val="20001"/>
+                      <a16:colId xmlns="" xmlns:a16="http://schemas.microsoft.com/office/drawing/2014/main" val="20001"/>
                     </a:ext>
                   </a:extLst>
                 </a:gridCol>
                 <a:gridCol w="4911931">
                   <a:extLst>
                     <a:ext uri="{9D8B030D-6E8A-4147-A177-3AD203B41FA5}">
-                      <a16:colId xmlns:a16="http://schemas.microsoft.com/office/drawing/2014/main" xmlns="" val="20002"/>
+                      <a16:colId xmlns="" xmlns:a16="http://schemas.microsoft.com/office/drawing/2014/main" val="20002"/>
                     </a:ext>
                   </a:extLst>
                 </a:gridCol>
@@ -19658,7 +19679,7 @@
                 </a:tc>
                 <a:extLst>
                   <a:ext uri="{0D108BD9-81ED-4DB2-BD59-A6C34878D82A}">
-                    <a16:rowId xmlns:a16="http://schemas.microsoft.com/office/drawing/2014/main" xmlns="" val="10000"/>
+                    <a16:rowId xmlns="" xmlns:a16="http://schemas.microsoft.com/office/drawing/2014/main" val="10000"/>
                   </a:ext>
                 </a:extLst>
               </a:tr>
@@ -19750,7 +19771,7 @@
                 </a:tc>
                 <a:extLst>
                   <a:ext uri="{0D108BD9-81ED-4DB2-BD59-A6C34878D82A}">
-                    <a16:rowId xmlns:a16="http://schemas.microsoft.com/office/drawing/2014/main" xmlns="" val="10001"/>
+                    <a16:rowId xmlns="" xmlns:a16="http://schemas.microsoft.com/office/drawing/2014/main" val="10001"/>
                   </a:ext>
                 </a:extLst>
               </a:tr>
@@ -20181,21 +20202,21 @@
                 <a:gridCol w="2973867">
                   <a:extLst>
                     <a:ext uri="{9D8B030D-6E8A-4147-A177-3AD203B41FA5}">
-                      <a16:colId xmlns:a16="http://schemas.microsoft.com/office/drawing/2014/main" xmlns="" val="20000"/>
+                      <a16:colId xmlns="" xmlns:a16="http://schemas.microsoft.com/office/drawing/2014/main" val="20000"/>
                     </a:ext>
                   </a:extLst>
                 </a:gridCol>
                 <a:gridCol w="3309365">
                   <a:extLst>
                     <a:ext uri="{9D8B030D-6E8A-4147-A177-3AD203B41FA5}">
-                      <a16:colId xmlns:a16="http://schemas.microsoft.com/office/drawing/2014/main" xmlns="" val="20001"/>
+                      <a16:colId xmlns="" xmlns:a16="http://schemas.microsoft.com/office/drawing/2014/main" val="20001"/>
                     </a:ext>
                   </a:extLst>
                 </a:gridCol>
                 <a:gridCol w="4911931">
                   <a:extLst>
                     <a:ext uri="{9D8B030D-6E8A-4147-A177-3AD203B41FA5}">
-                      <a16:colId xmlns:a16="http://schemas.microsoft.com/office/drawing/2014/main" xmlns="" val="20002"/>
+                      <a16:colId xmlns="" xmlns:a16="http://schemas.microsoft.com/office/drawing/2014/main" val="20002"/>
                     </a:ext>
                   </a:extLst>
                 </a:gridCol>
@@ -20273,7 +20294,7 @@
                 </a:tc>
                 <a:extLst>
                   <a:ext uri="{0D108BD9-81ED-4DB2-BD59-A6C34878D82A}">
-                    <a16:rowId xmlns:a16="http://schemas.microsoft.com/office/drawing/2014/main" xmlns="" val="10000"/>
+                    <a16:rowId xmlns="" xmlns:a16="http://schemas.microsoft.com/office/drawing/2014/main" val="10000"/>
                   </a:ext>
                 </a:extLst>
               </a:tr>
@@ -20365,7 +20386,7 @@
                 </a:tc>
                 <a:extLst>
                   <a:ext uri="{0D108BD9-81ED-4DB2-BD59-A6C34878D82A}">
-                    <a16:rowId xmlns:a16="http://schemas.microsoft.com/office/drawing/2014/main" xmlns="" val="10001"/>
+                    <a16:rowId xmlns="" xmlns:a16="http://schemas.microsoft.com/office/drawing/2014/main" val="10001"/>
                   </a:ext>
                 </a:extLst>
               </a:tr>
@@ -20796,21 +20817,21 @@
                 <a:gridCol w="2973867">
                   <a:extLst>
                     <a:ext uri="{9D8B030D-6E8A-4147-A177-3AD203B41FA5}">
-                      <a16:colId xmlns:a16="http://schemas.microsoft.com/office/drawing/2014/main" xmlns="" val="20000"/>
+                      <a16:colId xmlns="" xmlns:a16="http://schemas.microsoft.com/office/drawing/2014/main" val="20000"/>
                     </a:ext>
                   </a:extLst>
                 </a:gridCol>
                 <a:gridCol w="3309365">
                   <a:extLst>
                     <a:ext uri="{9D8B030D-6E8A-4147-A177-3AD203B41FA5}">
-                      <a16:colId xmlns:a16="http://schemas.microsoft.com/office/drawing/2014/main" xmlns="" val="20001"/>
+                      <a16:colId xmlns="" xmlns:a16="http://schemas.microsoft.com/office/drawing/2014/main" val="20001"/>
                     </a:ext>
                   </a:extLst>
                 </a:gridCol>
                 <a:gridCol w="4911931">
                   <a:extLst>
                     <a:ext uri="{9D8B030D-6E8A-4147-A177-3AD203B41FA5}">
-                      <a16:colId xmlns:a16="http://schemas.microsoft.com/office/drawing/2014/main" xmlns="" val="20002"/>
+                      <a16:colId xmlns="" xmlns:a16="http://schemas.microsoft.com/office/drawing/2014/main" val="20002"/>
                     </a:ext>
                   </a:extLst>
                 </a:gridCol>
@@ -20888,7 +20909,7 @@
                 </a:tc>
                 <a:extLst>
                   <a:ext uri="{0D108BD9-81ED-4DB2-BD59-A6C34878D82A}">
-                    <a16:rowId xmlns:a16="http://schemas.microsoft.com/office/drawing/2014/main" xmlns="" val="10000"/>
+                    <a16:rowId xmlns="" xmlns:a16="http://schemas.microsoft.com/office/drawing/2014/main" val="10000"/>
                   </a:ext>
                 </a:extLst>
               </a:tr>
@@ -20980,7 +21001,7 @@
                 </a:tc>
                 <a:extLst>
                   <a:ext uri="{0D108BD9-81ED-4DB2-BD59-A6C34878D82A}">
-                    <a16:rowId xmlns:a16="http://schemas.microsoft.com/office/drawing/2014/main" xmlns="" val="10001"/>
+                    <a16:rowId xmlns="" xmlns:a16="http://schemas.microsoft.com/office/drawing/2014/main" val="10001"/>
                   </a:ext>
                 </a:extLst>
               </a:tr>
@@ -21420,21 +21441,21 @@
                 <a:gridCol w="2973867">
                   <a:extLst>
                     <a:ext uri="{9D8B030D-6E8A-4147-A177-3AD203B41FA5}">
-                      <a16:colId xmlns:a16="http://schemas.microsoft.com/office/drawing/2014/main" xmlns="" val="20000"/>
+                      <a16:colId xmlns="" xmlns:a16="http://schemas.microsoft.com/office/drawing/2014/main" val="20000"/>
                     </a:ext>
                   </a:extLst>
                 </a:gridCol>
                 <a:gridCol w="3309365">
                   <a:extLst>
                     <a:ext uri="{9D8B030D-6E8A-4147-A177-3AD203B41FA5}">
-                      <a16:colId xmlns:a16="http://schemas.microsoft.com/office/drawing/2014/main" xmlns="" val="20001"/>
+                      <a16:colId xmlns="" xmlns:a16="http://schemas.microsoft.com/office/drawing/2014/main" val="20001"/>
                     </a:ext>
                   </a:extLst>
                 </a:gridCol>
                 <a:gridCol w="4911931">
                   <a:extLst>
                     <a:ext uri="{9D8B030D-6E8A-4147-A177-3AD203B41FA5}">
-                      <a16:colId xmlns:a16="http://schemas.microsoft.com/office/drawing/2014/main" xmlns="" val="20002"/>
+                      <a16:colId xmlns="" xmlns:a16="http://schemas.microsoft.com/office/drawing/2014/main" val="20002"/>
                     </a:ext>
                   </a:extLst>
                 </a:gridCol>
@@ -21512,7 +21533,7 @@
                 </a:tc>
                 <a:extLst>
                   <a:ext uri="{0D108BD9-81ED-4DB2-BD59-A6C34878D82A}">
-                    <a16:rowId xmlns:a16="http://schemas.microsoft.com/office/drawing/2014/main" xmlns="" val="10000"/>
+                    <a16:rowId xmlns="" xmlns:a16="http://schemas.microsoft.com/office/drawing/2014/main" val="10000"/>
                   </a:ext>
                 </a:extLst>
               </a:tr>
@@ -21604,7 +21625,7 @@
                 </a:tc>
                 <a:extLst>
                   <a:ext uri="{0D108BD9-81ED-4DB2-BD59-A6C34878D82A}">
-                    <a16:rowId xmlns:a16="http://schemas.microsoft.com/office/drawing/2014/main" xmlns="" val="10001"/>
+                    <a16:rowId xmlns="" xmlns:a16="http://schemas.microsoft.com/office/drawing/2014/main" val="10001"/>
                   </a:ext>
                 </a:extLst>
               </a:tr>
@@ -22035,7 +22056,7 @@
                 <a:gridCol w="10731438">
                   <a:extLst>
                     <a:ext uri="{9D8B030D-6E8A-4147-A177-3AD203B41FA5}">
-                      <a16:colId xmlns:a16="http://schemas.microsoft.com/office/drawing/2014/main" xmlns="" val="20000"/>
+                      <a16:colId xmlns="" xmlns:a16="http://schemas.microsoft.com/office/drawing/2014/main" val="20000"/>
                     </a:ext>
                   </a:extLst>
                 </a:gridCol>
@@ -22073,7 +22094,7 @@
                 </a:tc>
                 <a:extLst>
                   <a:ext uri="{0D108BD9-81ED-4DB2-BD59-A6C34878D82A}">
-                    <a16:rowId xmlns:a16="http://schemas.microsoft.com/office/drawing/2014/main" xmlns="" val="10000"/>
+                    <a16:rowId xmlns="" xmlns:a16="http://schemas.microsoft.com/office/drawing/2014/main" val="10000"/>
                   </a:ext>
                 </a:extLst>
               </a:tr>
@@ -22097,7 +22118,7 @@
                 </a:tc>
                 <a:extLst>
                   <a:ext uri="{0D108BD9-81ED-4DB2-BD59-A6C34878D82A}">
-                    <a16:rowId xmlns:a16="http://schemas.microsoft.com/office/drawing/2014/main" xmlns="" val="10001"/>
+                    <a16:rowId xmlns="" xmlns:a16="http://schemas.microsoft.com/office/drawing/2014/main" val="10001"/>
                   </a:ext>
                 </a:extLst>
               </a:tr>
@@ -22608,14 +22629,14 @@
                 <a:gridCol w="5011710">
                   <a:extLst>
                     <a:ext uri="{9D8B030D-6E8A-4147-A177-3AD203B41FA5}">
-                      <a16:colId xmlns:a16="http://schemas.microsoft.com/office/drawing/2014/main" xmlns="" val="20000"/>
+                      <a16:colId xmlns="" xmlns:a16="http://schemas.microsoft.com/office/drawing/2014/main" val="20000"/>
                     </a:ext>
                   </a:extLst>
                 </a:gridCol>
                 <a:gridCol w="5217243">
                   <a:extLst>
                     <a:ext uri="{9D8B030D-6E8A-4147-A177-3AD203B41FA5}">
-                      <a16:colId xmlns:a16="http://schemas.microsoft.com/office/drawing/2014/main" xmlns="" val="20001"/>
+                      <a16:colId xmlns="" xmlns:a16="http://schemas.microsoft.com/office/drawing/2014/main" val="20001"/>
                     </a:ext>
                   </a:extLst>
                 </a:gridCol>
@@ -22675,7 +22696,7 @@
                 </a:tc>
                 <a:extLst>
                   <a:ext uri="{0D108BD9-81ED-4DB2-BD59-A6C34878D82A}">
-                    <a16:rowId xmlns:a16="http://schemas.microsoft.com/office/drawing/2014/main" xmlns="" val="10000"/>
+                    <a16:rowId xmlns="" xmlns:a16="http://schemas.microsoft.com/office/drawing/2014/main" val="10000"/>
                   </a:ext>
                 </a:extLst>
               </a:tr>
@@ -22716,7 +22737,7 @@
                 </a:tc>
                 <a:extLst>
                   <a:ext uri="{0D108BD9-81ED-4DB2-BD59-A6C34878D82A}">
-                    <a16:rowId xmlns:a16="http://schemas.microsoft.com/office/drawing/2014/main" xmlns="" val="10001"/>
+                    <a16:rowId xmlns="" xmlns:a16="http://schemas.microsoft.com/office/drawing/2014/main" val="10001"/>
                   </a:ext>
                 </a:extLst>
               </a:tr>
@@ -24757,7 +24778,7 @@
               <a:buChar char="•"/>
             </a:pPr>
             <a:r>
-              <a:rPr lang="en-US" sz="1334" kern="0" dirty="0">
+              <a:rPr lang="en-US" sz="1334" b="1" kern="0" dirty="0">
                 <a:solidFill>
                   <a:srgbClr val="000000"/>
                 </a:solidFill>
@@ -24777,7 +24798,7 @@
               <a:buChar char="•"/>
             </a:pPr>
             <a:r>
-              <a:rPr lang="en-US" sz="1334" kern="0" dirty="0">
+              <a:rPr lang="en-US" sz="1334" b="1" kern="0" dirty="0">
                 <a:solidFill>
                   <a:srgbClr val="000000"/>
                 </a:solidFill>
@@ -24797,7 +24818,7 @@
               <a:buChar char="•"/>
             </a:pPr>
             <a:r>
-              <a:rPr lang="en-US" sz="1334" kern="0" dirty="0">
+              <a:rPr lang="en-US" sz="1334" b="1" kern="0" dirty="0">
                 <a:solidFill>
                   <a:srgbClr val="000000"/>
                 </a:solidFill>
@@ -24817,7 +24838,7 @@
               <a:buChar char="•"/>
             </a:pPr>
             <a:r>
-              <a:rPr lang="en-US" sz="1334" kern="0" dirty="0">
+              <a:rPr lang="en-US" sz="1334" b="1" kern="0" dirty="0">
                 <a:solidFill>
                   <a:srgbClr val="000000"/>
                 </a:solidFill>
@@ -24837,7 +24858,7 @@
               <a:buChar char="•"/>
             </a:pPr>
             <a:r>
-              <a:rPr lang="en-US" sz="1334" kern="0" dirty="0">
+              <a:rPr lang="en-US" sz="1334" b="1" kern="0" dirty="0">
                 <a:solidFill>
                   <a:srgbClr val="000000"/>
                 </a:solidFill>
@@ -24857,7 +24878,7 @@
               <a:buChar char="•"/>
             </a:pPr>
             <a:r>
-              <a:rPr lang="en-US" sz="1334" kern="0" dirty="0">
+              <a:rPr lang="en-US" sz="1334" b="1" kern="0" dirty="0">
                 <a:solidFill>
                   <a:srgbClr val="000000"/>
                 </a:solidFill>
@@ -24877,7 +24898,7 @@
               <a:buChar char="•"/>
             </a:pPr>
             <a:r>
-              <a:rPr lang="en-US" sz="1334" kern="0" dirty="0">
+              <a:rPr lang="en-US" sz="1334" b="1" kern="0" dirty="0">
                 <a:solidFill>
                   <a:srgbClr val="000000"/>
                 </a:solidFill>
@@ -24897,7 +24918,7 @@
               <a:buChar char="•"/>
             </a:pPr>
             <a:r>
-              <a:rPr lang="en-US" sz="1334" kern="0" dirty="0">
+              <a:rPr lang="en-US" sz="1334" b="1" kern="0" dirty="0">
                 <a:solidFill>
                   <a:srgbClr val="000000"/>
                 </a:solidFill>
@@ -25370,7 +25391,7 @@
         <p:spPr>
           <a:xfrm>
             <a:off x="4155119" y="5331686"/>
-            <a:ext cx="2498310" cy="1246495"/>
+            <a:ext cx="2498310" cy="1477328"/>
           </a:xfrm>
           <a:prstGeom prst="rect">
             <a:avLst/>
@@ -25390,9 +25411,10 @@
               <a:buChar char="Ø"/>
             </a:pPr>
             <a:r>
-              <a:rPr lang="en-US" sz="2001" b="1" dirty="0"/>
+              <a:rPr lang="en-US" sz="2001" b="1" dirty="0" smtClean="0"/>
               <a:t>Interns</a:t>
             </a:r>
+            <a:endParaRPr lang="sv-SE" sz="1778" dirty="0" smtClean="0"/>
           </a:p>
           <a:p>
             <a:pPr>
@@ -25404,7 +25426,11 @@
             </a:pPr>
             <a:r>
               <a:rPr lang="sv-SE" sz="1778" dirty="0"/>
-              <a:t>Shobhit Sinha</a:t>
+              <a:t>Ankit </a:t>
+            </a:r>
+            <a:r>
+              <a:rPr lang="sv-SE" sz="1778" dirty="0" smtClean="0"/>
+              <a:t>Parichha</a:t>
             </a:r>
           </a:p>
           <a:p>
@@ -25416,9 +25442,14 @@
               <a:buChar char="q"/>
             </a:pPr>
             <a:r>
-              <a:rPr lang="sv-SE" sz="1778" dirty="0"/>
-              <a:t>Ankit Parichha</a:t>
+              <a:rPr lang="sv-SE" sz="1778" dirty="0" smtClean="0"/>
+              <a:t>Shobhit </a:t>
             </a:r>
+            <a:r>
+              <a:rPr lang="sv-SE" sz="1778" dirty="0" smtClean="0"/>
+              <a:t>Sinha</a:t>
+            </a:r>
+            <a:endParaRPr lang="sv-SE" sz="1778" dirty="0"/>
           </a:p>
           <a:p>
             <a:pPr>
@@ -25443,7 +25474,24 @@
             </a:pPr>
             <a:r>
               <a:rPr lang="sv-SE" sz="1778" dirty="0"/>
-              <a:t>Harshit Srivastava</a:t>
+              <a:t>Harshit </a:t>
+            </a:r>
+            <a:r>
+              <a:rPr lang="sv-SE" sz="1778" dirty="0" smtClean="0"/>
+              <a:t>Srivastava</a:t>
+            </a:r>
+          </a:p>
+          <a:p>
+            <a:pPr>
+              <a:lnSpc>
+                <a:spcPts val="1778"/>
+              </a:lnSpc>
+              <a:buFont typeface="Wingdings" panose="05000000000000000000" pitchFamily="2" charset="2"/>
+              <a:buChar char="q"/>
+            </a:pPr>
+            <a:r>
+              <a:rPr lang="sv-SE" sz="1778" dirty="0" smtClean="0"/>
+              <a:t>Ragini</a:t>
             </a:r>
             <a:endParaRPr lang="en-US" sz="2001" dirty="0"/>
           </a:p>
@@ -25461,8 +25509,8 @@
         </p:nvSpPr>
         <p:spPr>
           <a:xfrm>
-            <a:off x="6597427" y="5331686"/>
-            <a:ext cx="4234422" cy="1015663"/>
+            <a:off x="6597426" y="5331686"/>
+            <a:ext cx="4476973" cy="784830"/>
           </a:xfrm>
           <a:prstGeom prst="rect">
             <a:avLst/>
@@ -25516,14 +25564,14 @@
       </p:sp>
       <p:pic>
         <p:nvPicPr>
-          <p:cNvPr id="10" name="Picture 9"/>
+          <p:cNvPr id="12" name="Picture 11"/>
           <p:cNvPicPr>
             <a:picLocks noChangeAspect="1"/>
           </p:cNvPicPr>
           <p:nvPr/>
         </p:nvPicPr>
         <p:blipFill>
-          <a:blip r:embed="rId11" cstate="print">
+          <a:blip r:embed="rId11">
             <a:extLst>
               <a:ext uri="{28A0092B-C50C-407E-A947-70E740481C1C}">
                 <a14:useLocalDpi xmlns:a14="http://schemas.microsoft.com/office/drawing/2010/main" val="0"/>
@@ -25536,8 +25584,8 @@
         </p:blipFill>
         <p:spPr>
           <a:xfrm>
-            <a:off x="3493595" y="366560"/>
-            <a:ext cx="7727820" cy="4903732"/>
+            <a:off x="3493594" y="279400"/>
+            <a:ext cx="7727821" cy="4990892"/>
           </a:xfrm>
           <a:prstGeom prst="rect">
             <a:avLst/>
@@ -25898,8 +25946,8 @@
         </p:nvSpPr>
         <p:spPr>
           <a:xfrm>
-            <a:off x="288137" y="1178676"/>
-            <a:ext cx="5836986" cy="5529719"/>
+            <a:off x="288137" y="1380555"/>
+            <a:ext cx="5836986" cy="4183838"/>
           </a:xfrm>
           <a:prstGeom prst="rect">
             <a:avLst/>
@@ -25922,7 +25970,7 @@
               <a:buChar char="•"/>
             </a:pPr>
             <a:r>
-              <a:rPr lang="en-US" sz="1334" kern="0" dirty="0">
+              <a:rPr lang="en-US" sz="1600" b="1" kern="0" dirty="0">
                 <a:solidFill>
                   <a:srgbClr val="000000"/>
                 </a:solidFill>
@@ -25930,7 +25978,7 @@
               <a:t>Build </a:t>
             </a:r>
             <a:r>
-              <a:rPr lang="en-US" sz="1334" kern="0" dirty="0" smtClean="0">
+              <a:rPr lang="en-US" sz="1600" b="1" kern="0" dirty="0" smtClean="0">
                 <a:solidFill>
                   <a:srgbClr val="000000"/>
                 </a:solidFill>
@@ -25938,7 +25986,7 @@
               <a:t>9 </a:t>
             </a:r>
             <a:r>
-              <a:rPr lang="en-US" sz="1334" kern="0" dirty="0">
+              <a:rPr lang="en-US" sz="1600" b="1" kern="0" dirty="0">
                 <a:solidFill>
                   <a:srgbClr val="000000"/>
                 </a:solidFill>
@@ -25958,7 +26006,7 @@
               <a:buChar char="•"/>
             </a:pPr>
             <a:r>
-              <a:rPr lang="en-US" sz="1334" kern="0" dirty="0"/>
+              <a:rPr lang="en-US" sz="1600" b="1" kern="0" dirty="0"/>
               <a:t>5 years of historical car sales</a:t>
             </a:r>
           </a:p>
@@ -25974,7 +26022,7 @@
               <a:buChar char="•"/>
             </a:pPr>
             <a:r>
-              <a:rPr lang="en-US" sz="1334" kern="0" dirty="0"/>
+              <a:rPr lang="en-US" sz="1600" b="1" kern="0" dirty="0"/>
               <a:t>Fuel Price – Petrol and Diesel</a:t>
             </a:r>
           </a:p>
@@ -25990,7 +26038,7 @@
               <a:buChar char="•"/>
             </a:pPr>
             <a:r>
-              <a:rPr lang="en-US" sz="1334" kern="0" dirty="0"/>
+              <a:rPr lang="en-US" sz="1600" b="1" kern="0" dirty="0"/>
               <a:t>GDP</a:t>
             </a:r>
           </a:p>
@@ -26006,7 +26054,7 @@
               <a:buChar char="•"/>
             </a:pPr>
             <a:r>
-              <a:rPr lang="en-US" sz="1334" kern="0" dirty="0"/>
+              <a:rPr lang="en-US" sz="1600" b="1" kern="0" dirty="0"/>
               <a:t>Unemployment</a:t>
             </a:r>
           </a:p>
@@ -26022,7 +26070,7 @@
               <a:buChar char="•"/>
             </a:pPr>
             <a:r>
-              <a:rPr lang="en-US" sz="1334" kern="0" dirty="0"/>
+              <a:rPr lang="en-US" sz="1600" b="1" kern="0" dirty="0"/>
               <a:t>BOSCH OEM Car Parts</a:t>
             </a:r>
           </a:p>
@@ -26038,78 +26086,14 @@
               <a:buChar char="•"/>
             </a:pPr>
             <a:r>
-              <a:rPr lang="en-US" sz="1334" kern="0" dirty="0"/>
-              <a:t>The challenge is to accurately predict future Car and OEM Sales using predictive analytics and machine learning and then to identify the optimal strategy for OEM sales forecast.</a:t>
+              <a:rPr lang="en-US" sz="1600" b="1" kern="0" dirty="0"/>
+              <a:t>The challenge is to accurately predict future Car and OEM Sales using predictive analytics and machine learning and then to identify the optimal strategy for OEM sales forecast</a:t>
             </a:r>
-          </a:p>
-          <a:p>
-            <a:pPr marL="317583" indent="-317583" algn="just">
-              <a:lnSpc>
-                <a:spcPts val="2556"/>
-              </a:lnSpc>
-              <a:spcBef>
-                <a:spcPts val="556"/>
-              </a:spcBef>
-              <a:buFont typeface="Arial" panose="020B0604020202020204" pitchFamily="34" charset="0"/>
-              <a:buChar char="•"/>
-            </a:pPr>
             <a:r>
-              <a:rPr lang="en-US" sz="1334" kern="0" dirty="0"/>
-              <a:t>Predictive Modeling and Data Visualization used to bring</a:t>
+              <a:rPr lang="en-US" sz="1600" b="1" kern="0" dirty="0" smtClean="0"/>
+              <a:t>.</a:t>
             </a:r>
-          </a:p>
-          <a:p>
-            <a:pPr marL="825715" lvl="1" indent="-317583">
-              <a:lnSpc>
-                <a:spcPts val="2556"/>
-              </a:lnSpc>
-              <a:spcBef>
-                <a:spcPts val="556"/>
-              </a:spcBef>
-              <a:buFont typeface="Arial" panose="020B0604020202020204" pitchFamily="34" charset="0"/>
-              <a:buChar char="•"/>
-            </a:pPr>
-            <a:r>
-              <a:rPr lang="en-US" sz="1334" kern="0" dirty="0"/>
-              <a:t>Car Sales Forecast by make, segment and Fuel </a:t>
-            </a:r>
-          </a:p>
-          <a:p>
-            <a:pPr marL="825715" lvl="1" indent="-317583">
-              <a:lnSpc>
-                <a:spcPts val="2556"/>
-              </a:lnSpc>
-              <a:spcBef>
-                <a:spcPts val="556"/>
-              </a:spcBef>
-              <a:buFont typeface="Arial" panose="020B0604020202020204" pitchFamily="34" charset="0"/>
-              <a:buChar char="•"/>
-            </a:pPr>
-            <a:r>
-              <a:rPr lang="en-US" sz="1334" kern="0" dirty="0"/>
-              <a:t>BOSCH OEM Products Forecast</a:t>
-            </a:r>
-          </a:p>
-          <a:p>
-            <a:pPr marL="317583" indent="-317583" algn="just">
-              <a:lnSpc>
-                <a:spcPts val="2556"/>
-              </a:lnSpc>
-              <a:spcBef>
-                <a:spcPts val="556"/>
-              </a:spcBef>
-              <a:buFont typeface="Arial" panose="020B0604020202020204" pitchFamily="34" charset="0"/>
-              <a:buChar char="•"/>
-            </a:pPr>
-            <a:r>
-              <a:rPr lang="en-US" sz="1334" dirty="0"/>
-              <a:t> Identify the optimal strategy for  BOSCH OEM Sales forecast.</a:t>
-            </a:r>
-            <a:endParaRPr lang="en-US" sz="1334" kern="0" dirty="0">
-              <a:solidFill>
-                <a:srgbClr val="000000"/>
-              </a:solidFill>
-            </a:endParaRPr>
+            <a:endParaRPr lang="en-US" sz="1600" b="1" kern="0" dirty="0"/>
           </a:p>
         </p:txBody>
       </p:sp>
@@ -27740,21 +27724,21 @@
                 <a:gridCol w="2444999">
                   <a:extLst>
                     <a:ext uri="{9D8B030D-6E8A-4147-A177-3AD203B41FA5}">
-                      <a16:colId xmlns:a16="http://schemas.microsoft.com/office/drawing/2014/main" xmlns="" val="2844547394"/>
+                      <a16:colId xmlns="" xmlns:a16="http://schemas.microsoft.com/office/drawing/2014/main" val="2844547394"/>
                     </a:ext>
                   </a:extLst>
                 </a:gridCol>
                 <a:gridCol w="5879611">
                   <a:extLst>
                     <a:ext uri="{9D8B030D-6E8A-4147-A177-3AD203B41FA5}">
-                      <a16:colId xmlns:a16="http://schemas.microsoft.com/office/drawing/2014/main" xmlns="" val="3672511867"/>
+                      <a16:colId xmlns="" xmlns:a16="http://schemas.microsoft.com/office/drawing/2014/main" val="3672511867"/>
                     </a:ext>
                   </a:extLst>
                 </a:gridCol>
                 <a:gridCol w="1904343">
                   <a:extLst>
                     <a:ext uri="{9D8B030D-6E8A-4147-A177-3AD203B41FA5}">
-                      <a16:colId xmlns:a16="http://schemas.microsoft.com/office/drawing/2014/main" xmlns="" val="4059454952"/>
+                      <a16:colId xmlns="" xmlns:a16="http://schemas.microsoft.com/office/drawing/2014/main" val="4059454952"/>
                     </a:ext>
                   </a:extLst>
                 </a:gridCol>
@@ -27820,7 +27804,7 @@
                 </a:tc>
                 <a:extLst>
                   <a:ext uri="{0D108BD9-81ED-4DB2-BD59-A6C34878D82A}">
-                    <a16:rowId xmlns:a16="http://schemas.microsoft.com/office/drawing/2014/main" xmlns="" val="3497713299"/>
+                    <a16:rowId xmlns="" xmlns:a16="http://schemas.microsoft.com/office/drawing/2014/main" val="3497713299"/>
                   </a:ext>
                 </a:extLst>
               </a:tr>
@@ -27912,7 +27896,7 @@
                 </a:tc>
                 <a:extLst>
                   <a:ext uri="{0D108BD9-81ED-4DB2-BD59-A6C34878D82A}">
-                    <a16:rowId xmlns:a16="http://schemas.microsoft.com/office/drawing/2014/main" xmlns="" val="476794400"/>
+                    <a16:rowId xmlns="" xmlns:a16="http://schemas.microsoft.com/office/drawing/2014/main" val="476794400"/>
                   </a:ext>
                 </a:extLst>
               </a:tr>
@@ -28004,7 +27988,7 @@
                 </a:tc>
                 <a:extLst>
                   <a:ext uri="{0D108BD9-81ED-4DB2-BD59-A6C34878D82A}">
-                    <a16:rowId xmlns:a16="http://schemas.microsoft.com/office/drawing/2014/main" xmlns="" val="2084985631"/>
+                    <a16:rowId xmlns="" xmlns:a16="http://schemas.microsoft.com/office/drawing/2014/main" val="2084985631"/>
                   </a:ext>
                 </a:extLst>
               </a:tr>
@@ -28096,7 +28080,7 @@
                 </a:tc>
                 <a:extLst>
                   <a:ext uri="{0D108BD9-81ED-4DB2-BD59-A6C34878D82A}">
-                    <a16:rowId xmlns:a16="http://schemas.microsoft.com/office/drawing/2014/main" xmlns="" val="3596604742"/>
+                    <a16:rowId xmlns="" xmlns:a16="http://schemas.microsoft.com/office/drawing/2014/main" val="3596604742"/>
                   </a:ext>
                 </a:extLst>
               </a:tr>
@@ -28166,7 +28150,7 @@
                 </a:tc>
                 <a:extLst>
                   <a:ext uri="{0D108BD9-81ED-4DB2-BD59-A6C34878D82A}">
-                    <a16:rowId xmlns:a16="http://schemas.microsoft.com/office/drawing/2014/main" xmlns="" val="1701883094"/>
+                    <a16:rowId xmlns="" xmlns:a16="http://schemas.microsoft.com/office/drawing/2014/main" val="1701883094"/>
                   </a:ext>
                 </a:extLst>
               </a:tr>
@@ -28271,7 +28255,7 @@
                 </a:tc>
                 <a:extLst>
                   <a:ext uri="{0D108BD9-81ED-4DB2-BD59-A6C34878D82A}">
-                    <a16:rowId xmlns:a16="http://schemas.microsoft.com/office/drawing/2014/main" xmlns="" val="3229444998"/>
+                    <a16:rowId xmlns="" xmlns:a16="http://schemas.microsoft.com/office/drawing/2014/main" val="3229444998"/>
                   </a:ext>
                 </a:extLst>
               </a:tr>
@@ -28363,7 +28347,7 @@
                 </a:tc>
                 <a:extLst>
                   <a:ext uri="{0D108BD9-81ED-4DB2-BD59-A6C34878D82A}">
-                    <a16:rowId xmlns:a16="http://schemas.microsoft.com/office/drawing/2014/main" xmlns="" val="2889670044"/>
+                    <a16:rowId xmlns="" xmlns:a16="http://schemas.microsoft.com/office/drawing/2014/main" val="2889670044"/>
                   </a:ext>
                 </a:extLst>
               </a:tr>
@@ -28450,7 +28434,7 @@
                 </a:tc>
                 <a:extLst>
                   <a:ext uri="{0D108BD9-81ED-4DB2-BD59-A6C34878D82A}">
-                    <a16:rowId xmlns:a16="http://schemas.microsoft.com/office/drawing/2014/main" xmlns="" val="1891745283"/>
+                    <a16:rowId xmlns="" xmlns:a16="http://schemas.microsoft.com/office/drawing/2014/main" val="1891745283"/>
                   </a:ext>
                 </a:extLst>
               </a:tr>
@@ -28546,7 +28530,7 @@
                 </a:tc>
                 <a:extLst>
                   <a:ext uri="{0D108BD9-81ED-4DB2-BD59-A6C34878D82A}">
-                    <a16:rowId xmlns:a16="http://schemas.microsoft.com/office/drawing/2014/main" xmlns="" val="3416753214"/>
+                    <a16:rowId xmlns="" xmlns:a16="http://schemas.microsoft.com/office/drawing/2014/main" val="3416753214"/>
                   </a:ext>
                 </a:extLst>
               </a:tr>
@@ -29024,14 +29008,14 @@
                 <a:gridCol w="4270036">
                   <a:extLst>
                     <a:ext uri="{9D8B030D-6E8A-4147-A177-3AD203B41FA5}">
-                      <a16:colId xmlns:a16="http://schemas.microsoft.com/office/drawing/2014/main" xmlns="" val="2844547394"/>
+                      <a16:colId xmlns="" xmlns:a16="http://schemas.microsoft.com/office/drawing/2014/main" val="2844547394"/>
                     </a:ext>
                   </a:extLst>
                 </a:gridCol>
                 <a:gridCol w="5523314">
                   <a:extLst>
                     <a:ext uri="{9D8B030D-6E8A-4147-A177-3AD203B41FA5}">
-                      <a16:colId xmlns:a16="http://schemas.microsoft.com/office/drawing/2014/main" xmlns="" val="3672511867"/>
+                      <a16:colId xmlns="" xmlns:a16="http://schemas.microsoft.com/office/drawing/2014/main" val="3672511867"/>
                     </a:ext>
                   </a:extLst>
                 </a:gridCol>
@@ -29071,7 +29055,7 @@
                 </a:tc>
                 <a:extLst>
                   <a:ext uri="{0D108BD9-81ED-4DB2-BD59-A6C34878D82A}">
-                    <a16:rowId xmlns:a16="http://schemas.microsoft.com/office/drawing/2014/main" xmlns="" val="3497713299"/>
+                    <a16:rowId xmlns="" xmlns:a16="http://schemas.microsoft.com/office/drawing/2014/main" val="3497713299"/>
                   </a:ext>
                 </a:extLst>
               </a:tr>
@@ -29153,7 +29137,7 @@
                 </a:tc>
                 <a:extLst>
                   <a:ext uri="{0D108BD9-81ED-4DB2-BD59-A6C34878D82A}">
-                    <a16:rowId xmlns:a16="http://schemas.microsoft.com/office/drawing/2014/main" xmlns="" val="476794400"/>
+                    <a16:rowId xmlns="" xmlns:a16="http://schemas.microsoft.com/office/drawing/2014/main" val="476794400"/>
                   </a:ext>
                 </a:extLst>
               </a:tr>
@@ -29240,7 +29224,7 @@
                 </a:tc>
                 <a:extLst>
                   <a:ext uri="{0D108BD9-81ED-4DB2-BD59-A6C34878D82A}">
-                    <a16:rowId xmlns:a16="http://schemas.microsoft.com/office/drawing/2014/main" xmlns="" val="2084985631"/>
+                    <a16:rowId xmlns="" xmlns:a16="http://schemas.microsoft.com/office/drawing/2014/main" val="2084985631"/>
                   </a:ext>
                 </a:extLst>
               </a:tr>
@@ -29327,7 +29311,7 @@
                 </a:tc>
                 <a:extLst>
                   <a:ext uri="{0D108BD9-81ED-4DB2-BD59-A6C34878D82A}">
-                    <a16:rowId xmlns:a16="http://schemas.microsoft.com/office/drawing/2014/main" xmlns="" val="3596604742"/>
+                    <a16:rowId xmlns="" xmlns:a16="http://schemas.microsoft.com/office/drawing/2014/main" val="3596604742"/>
                   </a:ext>
                 </a:extLst>
               </a:tr>
@@ -29392,7 +29376,7 @@
                 </a:tc>
                 <a:extLst>
                   <a:ext uri="{0D108BD9-81ED-4DB2-BD59-A6C34878D82A}">
-                    <a16:rowId xmlns:a16="http://schemas.microsoft.com/office/drawing/2014/main" xmlns="" val="1701883094"/>
+                    <a16:rowId xmlns="" xmlns:a16="http://schemas.microsoft.com/office/drawing/2014/main" val="1701883094"/>
                   </a:ext>
                 </a:extLst>
               </a:tr>
@@ -29480,7 +29464,7 @@
                 </a:tc>
                 <a:extLst>
                   <a:ext uri="{0D108BD9-81ED-4DB2-BD59-A6C34878D82A}">
-                    <a16:rowId xmlns:a16="http://schemas.microsoft.com/office/drawing/2014/main" xmlns="" val="3229444998"/>
+                    <a16:rowId xmlns="" xmlns:a16="http://schemas.microsoft.com/office/drawing/2014/main" val="3229444998"/>
                   </a:ext>
                 </a:extLst>
               </a:tr>
@@ -29566,7 +29550,7 @@
                 </a:tc>
                 <a:extLst>
                   <a:ext uri="{0D108BD9-81ED-4DB2-BD59-A6C34878D82A}">
-                    <a16:rowId xmlns:a16="http://schemas.microsoft.com/office/drawing/2014/main" xmlns="" val="2889670044"/>
+                    <a16:rowId xmlns="" xmlns:a16="http://schemas.microsoft.com/office/drawing/2014/main" val="2889670044"/>
                   </a:ext>
                 </a:extLst>
               </a:tr>
@@ -29653,7 +29637,7 @@
                 </a:tc>
                 <a:extLst>
                   <a:ext uri="{0D108BD9-81ED-4DB2-BD59-A6C34878D82A}">
-                    <a16:rowId xmlns:a16="http://schemas.microsoft.com/office/drawing/2014/main" xmlns="" val="1891745283"/>
+                    <a16:rowId xmlns="" xmlns:a16="http://schemas.microsoft.com/office/drawing/2014/main" val="1891745283"/>
                   </a:ext>
                 </a:extLst>
               </a:tr>
@@ -29714,7 +29698,7 @@
                 </a:tc>
                 <a:extLst>
                   <a:ext uri="{0D108BD9-81ED-4DB2-BD59-A6C34878D82A}">
-                    <a16:rowId xmlns:a16="http://schemas.microsoft.com/office/drawing/2014/main" xmlns="" val="3416753214"/>
+                    <a16:rowId xmlns="" xmlns:a16="http://schemas.microsoft.com/office/drawing/2014/main" val="3416753214"/>
                   </a:ext>
                 </a:extLst>
               </a:tr>
@@ -30642,89 +30626,165 @@
           <a:p>
             <a:r>
               <a:rPr lang="en-US" dirty="0"/>
-              <a:t> Car and OEM Sales Forecast has </a:t>
+              <a:t> </a:t>
             </a:r>
             <a:r>
-              <a:rPr lang="en-US" dirty="0" smtClean="0"/>
+              <a:rPr lang="en-US" b="1" dirty="0">
+                <a:solidFill>
+                  <a:schemeClr val="tx1"/>
+                </a:solidFill>
+              </a:rPr>
+              <a:t>Car and OEM Sales Forecast has </a:t>
+            </a:r>
+            <a:r>
+              <a:rPr lang="en-US" b="1" dirty="0" smtClean="0">
+                <a:solidFill>
+                  <a:schemeClr val="tx1"/>
+                </a:solidFill>
+              </a:rPr>
               <a:t>few challenges. </a:t>
             </a:r>
           </a:p>
           <a:p>
             <a:pPr lvl="1"/>
             <a:r>
-              <a:rPr lang="en-US" dirty="0" smtClean="0"/>
+              <a:rPr lang="en-US" b="1" dirty="0" smtClean="0">
+                <a:solidFill>
+                  <a:schemeClr val="tx1"/>
+                </a:solidFill>
+              </a:rPr>
               <a:t>Dataset imbalance</a:t>
             </a:r>
           </a:p>
           <a:p>
             <a:pPr lvl="1"/>
             <a:r>
-              <a:rPr lang="en-US" dirty="0" smtClean="0"/>
+              <a:rPr lang="en-US" b="1" dirty="0" smtClean="0">
+                <a:solidFill>
+                  <a:schemeClr val="tx1"/>
+                </a:solidFill>
+              </a:rPr>
               <a:t>Collecting </a:t>
             </a:r>
             <a:r>
-              <a:rPr lang="en-US" dirty="0"/>
+              <a:rPr lang="en-US" b="1" dirty="0">
+                <a:solidFill>
+                  <a:schemeClr val="tx1"/>
+                </a:solidFill>
+              </a:rPr>
               <a:t>data regarding car sales of previous two </a:t>
             </a:r>
             <a:r>
-              <a:rPr lang="en-US" dirty="0" smtClean="0"/>
+              <a:rPr lang="en-US" b="1" dirty="0" smtClean="0">
+                <a:solidFill>
+                  <a:schemeClr val="tx1"/>
+                </a:solidFill>
+              </a:rPr>
               <a:t>years monthly wise </a:t>
             </a:r>
             <a:r>
-              <a:rPr lang="en-US" dirty="0"/>
+              <a:rPr lang="en-US" b="1" dirty="0">
+                <a:solidFill>
+                  <a:schemeClr val="tx1"/>
+                </a:solidFill>
+              </a:rPr>
               <a:t>by considering each model of different </a:t>
             </a:r>
             <a:r>
-              <a:rPr lang="en-US" dirty="0" smtClean="0"/>
+              <a:rPr lang="en-US" b="1" dirty="0" smtClean="0">
+                <a:solidFill>
+                  <a:schemeClr val="tx1"/>
+                </a:solidFill>
+              </a:rPr>
               <a:t>companies.</a:t>
             </a:r>
           </a:p>
           <a:p>
             <a:pPr lvl="1"/>
             <a:r>
-              <a:rPr lang="en-US" dirty="0" smtClean="0"/>
+              <a:rPr lang="en-US" b="1" dirty="0" smtClean="0">
+                <a:solidFill>
+                  <a:schemeClr val="tx1"/>
+                </a:solidFill>
+              </a:rPr>
               <a:t>Collection </a:t>
             </a:r>
             <a:r>
-              <a:rPr lang="en-US" dirty="0"/>
+              <a:rPr lang="en-US" b="1" dirty="0">
+                <a:solidFill>
+                  <a:schemeClr val="tx1"/>
+                </a:solidFill>
+              </a:rPr>
               <a:t>of data regarding </a:t>
             </a:r>
             <a:r>
-              <a:rPr lang="en-US" dirty="0" smtClean="0"/>
+              <a:rPr lang="en-US" b="1" dirty="0" smtClean="0">
+                <a:solidFill>
+                  <a:schemeClr val="tx1"/>
+                </a:solidFill>
+              </a:rPr>
               <a:t>various BOSCH OEM </a:t>
             </a:r>
             <a:r>
-              <a:rPr lang="en-US" dirty="0"/>
+              <a:rPr lang="en-US" b="1" dirty="0">
+                <a:solidFill>
+                  <a:schemeClr val="tx1"/>
+                </a:solidFill>
+              </a:rPr>
               <a:t>products of the organization used in different </a:t>
             </a:r>
             <a:r>
-              <a:rPr lang="en-US" dirty="0" smtClean="0"/>
+              <a:rPr lang="en-US" b="1" dirty="0" smtClean="0">
+                <a:solidFill>
+                  <a:schemeClr val="tx1"/>
+                </a:solidFill>
+              </a:rPr>
               <a:t>cars.</a:t>
             </a:r>
           </a:p>
           <a:p>
             <a:pPr lvl="1"/>
             <a:r>
-              <a:rPr lang="en-US" dirty="0" smtClean="0"/>
+              <a:rPr lang="en-US" b="1" dirty="0" smtClean="0">
+                <a:solidFill>
+                  <a:schemeClr val="tx1"/>
+                </a:solidFill>
+              </a:rPr>
               <a:t>Mapping </a:t>
             </a:r>
             <a:r>
-              <a:rPr lang="en-US" dirty="0"/>
+              <a:rPr lang="en-US" b="1" dirty="0">
+                <a:solidFill>
+                  <a:schemeClr val="tx1"/>
+                </a:solidFill>
+              </a:rPr>
               <a:t>the OEM product sales with the prediction of car sales of a particular </a:t>
             </a:r>
             <a:r>
-              <a:rPr lang="en-US" dirty="0" smtClean="0"/>
+              <a:rPr lang="en-US" b="1" dirty="0" smtClean="0">
+                <a:solidFill>
+                  <a:schemeClr val="tx1"/>
+                </a:solidFill>
+              </a:rPr>
               <a:t>model.</a:t>
             </a:r>
           </a:p>
           <a:p>
             <a:pPr lvl="1"/>
             <a:r>
-              <a:rPr lang="en-US" dirty="0"/>
+              <a:rPr lang="en-US" b="1" dirty="0">
+                <a:solidFill>
+                  <a:schemeClr val="tx1"/>
+                </a:solidFill>
+              </a:rPr>
               <a:t>Choosing of different algorithm for the prediction and comparing and getting best results out of all the </a:t>
             </a:r>
             <a:r>
-              <a:rPr lang="en-US" dirty="0" smtClean="0"/>
+              <a:rPr lang="en-US" b="1" dirty="0" smtClean="0">
+                <a:solidFill>
+                  <a:schemeClr val="tx1"/>
+                </a:solidFill>
+              </a:rPr>
               <a:t>models.</a:t>
             </a:r>
           </a:p>
@@ -31168,12 +31228,16 @@
             <p:custDataLst>
               <p:tags r:id="rId7"/>
             </p:custDataLst>
-            <p:extLst/>
+            <p:extLst>
+              <p:ext uri="{D42A27DB-BD31-4B8C-83A1-F6EECF244321}">
+                <p14:modId xmlns:p14="http://schemas.microsoft.com/office/powerpoint/2010/main" val="3940863041"/>
+              </p:ext>
+            </p:extLst>
           </p:nvPr>
         </p:nvGraphicFramePr>
         <p:xfrm>
-          <a:off x="659355" y="1473580"/>
-          <a:ext cx="9112586" cy="4171541"/>
+          <a:off x="659355" y="1583674"/>
+          <a:ext cx="9386345" cy="4493358"/>
         </p:xfrm>
         <a:graphic>
           <a:graphicData uri="http://schemas.openxmlformats.org/drawingml/2006/diagram">

--- a/NEWPPT.pptx
+++ b/NEWPPT.pptx
@@ -5,7 +5,7 @@
     <p:sldMasterId id="2147484150" r:id="rId1"/>
   </p:sldMasterIdLst>
   <p:notesMasterIdLst>
-    <p:notesMasterId r:id="rId22"/>
+    <p:notesMasterId r:id="rId21"/>
   </p:notesMasterIdLst>
   <p:sldIdLst>
     <p:sldId id="258" r:id="rId2"/>
@@ -22,12 +22,11 @@
     <p:sldId id="268" r:id="rId13"/>
     <p:sldId id="269" r:id="rId14"/>
     <p:sldId id="270" r:id="rId15"/>
-    <p:sldId id="276" r:id="rId16"/>
-    <p:sldId id="271" r:id="rId17"/>
-    <p:sldId id="272" r:id="rId18"/>
-    <p:sldId id="273" r:id="rId19"/>
-    <p:sldId id="274" r:id="rId20"/>
-    <p:sldId id="275" r:id="rId21"/>
+    <p:sldId id="271" r:id="rId16"/>
+    <p:sldId id="272" r:id="rId17"/>
+    <p:sldId id="273" r:id="rId18"/>
+    <p:sldId id="274" r:id="rId19"/>
+    <p:sldId id="275" r:id="rId20"/>
   </p:sldIdLst>
   <p:sldSz cx="12192000" cy="6858000"/>
   <p:notesSz cx="6858000" cy="9144000"/>
@@ -3326,7 +3325,11 @@
         <a:p>
           <a:r>
             <a:rPr lang="en-US" dirty="0" smtClean="0"/>
-            <a:t>1 Million Rows</a:t>
+            <a:t>1800 </a:t>
+          </a:r>
+          <a:r>
+            <a:rPr lang="en-US" dirty="0" smtClean="0"/>
+            <a:t>Rows</a:t>
           </a:r>
           <a:endParaRPr lang="en-US" dirty="0"/>
         </a:p>
@@ -5056,7 +5059,11 @@
           </a:pPr>
           <a:r>
             <a:rPr lang="en-US" sz="1600" kern="1200" dirty="0" smtClean="0"/>
-            <a:t>1 Million Rows</a:t>
+            <a:t>1800 </a:t>
+          </a:r>
+          <a:r>
+            <a:rPr lang="en-US" sz="1600" kern="1200" dirty="0" smtClean="0"/>
+            <a:t>Rows</a:t>
           </a:r>
           <a:endParaRPr lang="en-US" sz="1600" kern="1200" dirty="0"/>
         </a:p>
@@ -12341,7 +12348,7 @@
           <a:p>
             <a:fld id="{3C0B3135-1D0A-42B6-A67B-7B1074A0F292}" type="slidenum">
               <a:rPr lang="en-US" smtClean="0"/>
-              <a:t>18</a:t>
+              <a:t>17</a:t>
             </a:fld>
             <a:endParaRPr lang="en-US"/>
           </a:p>
@@ -19587,21 +19594,21 @@
                 <a:gridCol w="2973867">
                   <a:extLst>
                     <a:ext uri="{9D8B030D-6E8A-4147-A177-3AD203B41FA5}">
-                      <a16:colId xmlns="" xmlns:a16="http://schemas.microsoft.com/office/drawing/2014/main" val="20000"/>
+                      <a16:colId xmlns:a16="http://schemas.microsoft.com/office/drawing/2014/main" xmlns="" val="20000"/>
                     </a:ext>
                   </a:extLst>
                 </a:gridCol>
                 <a:gridCol w="3309365">
                   <a:extLst>
                     <a:ext uri="{9D8B030D-6E8A-4147-A177-3AD203B41FA5}">
-                      <a16:colId xmlns="" xmlns:a16="http://schemas.microsoft.com/office/drawing/2014/main" val="20001"/>
+                      <a16:colId xmlns:a16="http://schemas.microsoft.com/office/drawing/2014/main" xmlns="" val="20001"/>
                     </a:ext>
                   </a:extLst>
                 </a:gridCol>
                 <a:gridCol w="4911931">
                   <a:extLst>
                     <a:ext uri="{9D8B030D-6E8A-4147-A177-3AD203B41FA5}">
-                      <a16:colId xmlns="" xmlns:a16="http://schemas.microsoft.com/office/drawing/2014/main" val="20002"/>
+                      <a16:colId xmlns:a16="http://schemas.microsoft.com/office/drawing/2014/main" xmlns="" val="20002"/>
                     </a:ext>
                   </a:extLst>
                 </a:gridCol>
@@ -19679,7 +19686,7 @@
                 </a:tc>
                 <a:extLst>
                   <a:ext uri="{0D108BD9-81ED-4DB2-BD59-A6C34878D82A}">
-                    <a16:rowId xmlns="" xmlns:a16="http://schemas.microsoft.com/office/drawing/2014/main" val="10000"/>
+                    <a16:rowId xmlns:a16="http://schemas.microsoft.com/office/drawing/2014/main" xmlns="" val="10000"/>
                   </a:ext>
                 </a:extLst>
               </a:tr>
@@ -19771,7 +19778,7 @@
                 </a:tc>
                 <a:extLst>
                   <a:ext uri="{0D108BD9-81ED-4DB2-BD59-A6C34878D82A}">
-                    <a16:rowId xmlns="" xmlns:a16="http://schemas.microsoft.com/office/drawing/2014/main" val="10001"/>
+                    <a16:rowId xmlns:a16="http://schemas.microsoft.com/office/drawing/2014/main" xmlns="" val="10001"/>
                   </a:ext>
                 </a:extLst>
               </a:tr>
@@ -20202,21 +20209,21 @@
                 <a:gridCol w="2973867">
                   <a:extLst>
                     <a:ext uri="{9D8B030D-6E8A-4147-A177-3AD203B41FA5}">
-                      <a16:colId xmlns="" xmlns:a16="http://schemas.microsoft.com/office/drawing/2014/main" val="20000"/>
+                      <a16:colId xmlns:a16="http://schemas.microsoft.com/office/drawing/2014/main" xmlns="" val="20000"/>
                     </a:ext>
                   </a:extLst>
                 </a:gridCol>
                 <a:gridCol w="3309365">
                   <a:extLst>
                     <a:ext uri="{9D8B030D-6E8A-4147-A177-3AD203B41FA5}">
-                      <a16:colId xmlns="" xmlns:a16="http://schemas.microsoft.com/office/drawing/2014/main" val="20001"/>
+                      <a16:colId xmlns:a16="http://schemas.microsoft.com/office/drawing/2014/main" xmlns="" val="20001"/>
                     </a:ext>
                   </a:extLst>
                 </a:gridCol>
                 <a:gridCol w="4911931">
                   <a:extLst>
                     <a:ext uri="{9D8B030D-6E8A-4147-A177-3AD203B41FA5}">
-                      <a16:colId xmlns="" xmlns:a16="http://schemas.microsoft.com/office/drawing/2014/main" val="20002"/>
+                      <a16:colId xmlns:a16="http://schemas.microsoft.com/office/drawing/2014/main" xmlns="" val="20002"/>
                     </a:ext>
                   </a:extLst>
                 </a:gridCol>
@@ -20294,7 +20301,7 @@
                 </a:tc>
                 <a:extLst>
                   <a:ext uri="{0D108BD9-81ED-4DB2-BD59-A6C34878D82A}">
-                    <a16:rowId xmlns="" xmlns:a16="http://schemas.microsoft.com/office/drawing/2014/main" val="10000"/>
+                    <a16:rowId xmlns:a16="http://schemas.microsoft.com/office/drawing/2014/main" xmlns="" val="10000"/>
                   </a:ext>
                 </a:extLst>
               </a:tr>
@@ -20386,7 +20393,7 @@
                 </a:tc>
                 <a:extLst>
                   <a:ext uri="{0D108BD9-81ED-4DB2-BD59-A6C34878D82A}">
-                    <a16:rowId xmlns="" xmlns:a16="http://schemas.microsoft.com/office/drawing/2014/main" val="10001"/>
+                    <a16:rowId xmlns:a16="http://schemas.microsoft.com/office/drawing/2014/main" xmlns="" val="10001"/>
                   </a:ext>
                 </a:extLst>
               </a:tr>
@@ -20817,21 +20824,21 @@
                 <a:gridCol w="2973867">
                   <a:extLst>
                     <a:ext uri="{9D8B030D-6E8A-4147-A177-3AD203B41FA5}">
-                      <a16:colId xmlns="" xmlns:a16="http://schemas.microsoft.com/office/drawing/2014/main" val="20000"/>
+                      <a16:colId xmlns:a16="http://schemas.microsoft.com/office/drawing/2014/main" xmlns="" val="20000"/>
                     </a:ext>
                   </a:extLst>
                 </a:gridCol>
                 <a:gridCol w="3309365">
                   <a:extLst>
                     <a:ext uri="{9D8B030D-6E8A-4147-A177-3AD203B41FA5}">
-                      <a16:colId xmlns="" xmlns:a16="http://schemas.microsoft.com/office/drawing/2014/main" val="20001"/>
+                      <a16:colId xmlns:a16="http://schemas.microsoft.com/office/drawing/2014/main" xmlns="" val="20001"/>
                     </a:ext>
                   </a:extLst>
                 </a:gridCol>
                 <a:gridCol w="4911931">
                   <a:extLst>
                     <a:ext uri="{9D8B030D-6E8A-4147-A177-3AD203B41FA5}">
-                      <a16:colId xmlns="" xmlns:a16="http://schemas.microsoft.com/office/drawing/2014/main" val="20002"/>
+                      <a16:colId xmlns:a16="http://schemas.microsoft.com/office/drawing/2014/main" xmlns="" val="20002"/>
                     </a:ext>
                   </a:extLst>
                 </a:gridCol>
@@ -20909,7 +20916,7 @@
                 </a:tc>
                 <a:extLst>
                   <a:ext uri="{0D108BD9-81ED-4DB2-BD59-A6C34878D82A}">
-                    <a16:rowId xmlns="" xmlns:a16="http://schemas.microsoft.com/office/drawing/2014/main" val="10000"/>
+                    <a16:rowId xmlns:a16="http://schemas.microsoft.com/office/drawing/2014/main" xmlns="" val="10000"/>
                   </a:ext>
                 </a:extLst>
               </a:tr>
@@ -21001,7 +21008,7 @@
                 </a:tc>
                 <a:extLst>
                   <a:ext uri="{0D108BD9-81ED-4DB2-BD59-A6C34878D82A}">
-                    <a16:rowId xmlns="" xmlns:a16="http://schemas.microsoft.com/office/drawing/2014/main" val="10001"/>
+                    <a16:rowId xmlns:a16="http://schemas.microsoft.com/office/drawing/2014/main" xmlns="" val="10001"/>
                   </a:ext>
                 </a:extLst>
               </a:tr>
@@ -21269,7 +21276,7 @@
                 </a:solidFill>
                 <a:latin typeface="Bosch Office Sans"/>
               </a:rPr>
-              <a:t>14</a:t>
+              <a:t>15</a:t>
             </a:r>
             <a:endParaRPr lang="en-US" sz="1334" kern="0" dirty="0">
               <a:solidFill>
@@ -21395,18 +21402,13 @@
               </a:spcBef>
             </a:pPr>
             <a:r>
-              <a:rPr lang="en-US" sz="3112" dirty="0" smtClean="0">
+              <a:rPr lang="en-US" sz="3112" dirty="0">
                 <a:solidFill>
                   <a:srgbClr val="0A5139"/>
                 </a:solidFill>
               </a:rPr>
-              <a:t>Time Series (ARIMA)</a:t>
+              <a:t>Car Sales Prediction</a:t>
             </a:r>
-            <a:endParaRPr lang="en-US" sz="3112" dirty="0">
-              <a:solidFill>
-                <a:srgbClr val="0A5139"/>
-              </a:solidFill>
-            </a:endParaRPr>
           </a:p>
         </p:txBody>
       </p:sp>
@@ -21420,47 +21422,29 @@
             <p:custDataLst>
               <p:tags r:id="rId7"/>
             </p:custDataLst>
-            <p:extLst>
-              <p:ext uri="{D42A27DB-BD31-4B8C-83A1-F6EECF244321}">
-                <p14:modId xmlns:p14="http://schemas.microsoft.com/office/powerpoint/2010/main" val="1690233828"/>
-              </p:ext>
-            </p:extLst>
+            <p:extLst/>
           </p:nvPr>
         </p:nvGraphicFramePr>
         <p:xfrm>
-          <a:off x="296607" y="1240786"/>
-          <a:ext cx="11195163" cy="4920655"/>
+          <a:off x="617011" y="1565771"/>
+          <a:ext cx="10731438" cy="4204886"/>
         </p:xfrm>
         <a:graphic>
           <a:graphicData uri="http://schemas.openxmlformats.org/drawingml/2006/table">
             <a:tbl>
               <a:tblPr firstRow="1" bandRow="1">
-                <a:tableStyleId>{7DF18680-E054-41AD-8BC1-D1AEF772440D}</a:tableStyleId>
+                <a:tableStyleId>{5C22544A-7EE6-4342-B048-85BDC9FD1C3A}</a:tableStyleId>
               </a:tblPr>
               <a:tblGrid>
-                <a:gridCol w="2973867">
+                <a:gridCol w="10731438">
                   <a:extLst>
                     <a:ext uri="{9D8B030D-6E8A-4147-A177-3AD203B41FA5}">
-                      <a16:colId xmlns="" xmlns:a16="http://schemas.microsoft.com/office/drawing/2014/main" val="20000"/>
-                    </a:ext>
-                  </a:extLst>
-                </a:gridCol>
-                <a:gridCol w="3309365">
-                  <a:extLst>
-                    <a:ext uri="{9D8B030D-6E8A-4147-A177-3AD203B41FA5}">
-                      <a16:colId xmlns="" xmlns:a16="http://schemas.microsoft.com/office/drawing/2014/main" val="20001"/>
-                    </a:ext>
-                  </a:extLst>
-                </a:gridCol>
-                <a:gridCol w="4911931">
-                  <a:extLst>
-                    <a:ext uri="{9D8B030D-6E8A-4147-A177-3AD203B41FA5}">
-                      <a16:colId xmlns="" xmlns:a16="http://schemas.microsoft.com/office/drawing/2014/main" val="20002"/>
+                      <a16:colId xmlns:a16="http://schemas.microsoft.com/office/drawing/2014/main" xmlns="" val="20000"/>
                     </a:ext>
                   </a:extLst>
                 </a:gridCol>
               </a:tblGrid>
-              <a:tr h="711383">
+              <a:tr h="623100">
                 <a:tc>
                   <a:txBody>
                     <a:bodyPr/>
@@ -21468,88 +21452,11 @@
                     <a:p>
                       <a:r>
                         <a:rPr lang="en-US" sz="2000" dirty="0" smtClean="0"/>
-                        <a:t>Accuracy for </a:t>
-                      </a:r>
-                      <a:r>
-                        <a:rPr lang="en-US" sz="2000" dirty="0" err="1" smtClean="0"/>
-                        <a:t>Maruti</a:t>
-                      </a:r>
-                      <a:r>
-                        <a:rPr lang="en-US" sz="2000" dirty="0" smtClean="0"/>
-                        <a:t> Swift</a:t>
-                      </a:r>
-                      <a:endParaRPr lang="en-US" sz="2000" dirty="0"/>
-                    </a:p>
-                  </a:txBody>
-                  <a:tcPr marL="101626" marR="101626" marT="50813" marB="50813"/>
-                </a:tc>
-                <a:tc>
-                  <a:txBody>
-                    <a:bodyPr/>
-                    <a:lstStyle/>
-                    <a:p>
-                      <a:r>
-                        <a:rPr lang="en-US" sz="2000" dirty="0" smtClean="0"/>
-                        <a:t>RMSE</a:t>
+                        <a:t>Car</a:t>
                       </a:r>
                       <a:r>
                         <a:rPr lang="en-US" sz="2000" baseline="0" dirty="0" smtClean="0"/>
-                        <a:t> value</a:t>
-                      </a:r>
-                      <a:r>
-                        <a:rPr lang="en-US" sz="2000" dirty="0" smtClean="0"/>
-                        <a:t> for </a:t>
-                      </a:r>
-                      <a:r>
-                        <a:rPr lang="en-US" sz="2000" dirty="0" err="1" smtClean="0"/>
-                        <a:t>Maruti</a:t>
-                      </a:r>
-                      <a:r>
-                        <a:rPr lang="en-US" sz="2000" dirty="0" smtClean="0"/>
-                        <a:t> Swift</a:t>
-                      </a:r>
-                      <a:endParaRPr lang="en-US" sz="2000" dirty="0"/>
-                    </a:p>
-                  </a:txBody>
-                  <a:tcPr marL="101626" marR="101626" marT="50813" marB="50813"/>
-                </a:tc>
-                <a:tc>
-                  <a:txBody>
-                    <a:bodyPr/>
-                    <a:lstStyle/>
-                    <a:p>
-                      <a:r>
-                        <a:rPr lang="en-US" sz="2000" dirty="0" smtClean="0"/>
-                        <a:t>Line Graph</a:t>
-                      </a:r>
-                      <a:r>
-                        <a:rPr lang="en-US" sz="2000" baseline="0" dirty="0" smtClean="0"/>
-                        <a:t> </a:t>
-                      </a:r>
-                      <a:endParaRPr lang="en-US" sz="2000" dirty="0"/>
-                    </a:p>
-                  </a:txBody>
-                  <a:tcPr marL="101626" marR="101626" marT="50813" marB="50813"/>
-                </a:tc>
-                <a:extLst>
-                  <a:ext uri="{0D108BD9-81ED-4DB2-BD59-A6C34878D82A}">
-                    <a16:rowId xmlns="" xmlns:a16="http://schemas.microsoft.com/office/drawing/2014/main" val="10000"/>
-                  </a:ext>
-                </a:extLst>
-              </a:tr>
-              <a:tr h="4209272">
-                <a:tc>
-                  <a:txBody>
-                    <a:bodyPr/>
-                    <a:lstStyle/>
-                    <a:p>
-                      <a:r>
-                        <a:rPr lang="en-US" sz="2000" dirty="0" smtClean="0"/>
-                        <a:t>Accuracy</a:t>
-                      </a:r>
-                      <a:r>
-                        <a:rPr lang="en-US" sz="2000" baseline="0" dirty="0" smtClean="0"/>
-                        <a:t> for </a:t>
+                        <a:t> Sales Prediction using RANDOM FOREST for </a:t>
                       </a:r>
                       <a:r>
                         <a:rPr lang="en-US" sz="2000" baseline="0" dirty="0" err="1" smtClean="0"/>
@@ -21557,55 +21464,24 @@
                       </a:r>
                       <a:r>
                         <a:rPr lang="en-US" sz="2000" baseline="0" dirty="0" smtClean="0"/>
-                        <a:t> Swift using Linear regression is:</a:t>
-                      </a:r>
-                    </a:p>
-                    <a:p>
-                      <a:r>
-                        <a:rPr lang="en-US" sz="2000" baseline="0" dirty="0" smtClean="0"/>
-                        <a:t>94.23%</a:t>
+                        <a:t> Swift for 9 months are </a:t>
                       </a:r>
                       <a:endParaRPr lang="en-US" sz="2000" dirty="0"/>
                     </a:p>
                   </a:txBody>
                   <a:tcPr marL="101626" marR="101626" marT="50813" marB="50813">
                     <a:solidFill>
-                      <a:schemeClr val="accent5">
-                        <a:lumMod val="20000"/>
-                        <a:lumOff val="80000"/>
-                      </a:schemeClr>
+                      <a:schemeClr val="accent5"/>
                     </a:solidFill>
                   </a:tcPr>
                 </a:tc>
-                <a:tc>
-                  <a:txBody>
-                    <a:bodyPr/>
-                    <a:lstStyle/>
-                    <a:p>
-                      <a:r>
-                        <a:rPr lang="en-US" sz="2000" baseline="0" dirty="0" smtClean="0"/>
-                        <a:t>RMSE value for </a:t>
-                      </a:r>
-                      <a:r>
-                        <a:rPr lang="en-US" sz="2000" baseline="0" dirty="0" err="1" smtClean="0"/>
-                        <a:t>Maruti</a:t>
-                      </a:r>
-                      <a:r>
-                        <a:rPr lang="en-US" sz="2000" baseline="0" dirty="0" smtClean="0"/>
-                        <a:t> Suzuki Swift using Linear regression is : 1123</a:t>
-                      </a:r>
-                      <a:endParaRPr lang="en-US" sz="2000" dirty="0"/>
-                    </a:p>
-                  </a:txBody>
-                  <a:tcPr marL="101626" marR="101626" marT="50813" marB="50813">
-                    <a:solidFill>
-                      <a:schemeClr val="accent5">
-                        <a:lumMod val="20000"/>
-                        <a:lumOff val="80000"/>
-                      </a:schemeClr>
-                    </a:solidFill>
-                  </a:tcPr>
-                </a:tc>
+                <a:extLst>
+                  <a:ext uri="{0D108BD9-81ED-4DB2-BD59-A6C34878D82A}">
+                    <a16:rowId xmlns:a16="http://schemas.microsoft.com/office/drawing/2014/main" xmlns="" val="10000"/>
+                  </a:ext>
+                </a:extLst>
+              </a:tr>
+              <a:tr h="3581786">
                 <a:tc>
                   <a:txBody>
                     <a:bodyPr/>
@@ -21625,7 +21501,7 @@
                 </a:tc>
                 <a:extLst>
                   <a:ext uri="{0D108BD9-81ED-4DB2-BD59-A6C34878D82A}">
-                    <a16:rowId xmlns="" xmlns:a16="http://schemas.microsoft.com/office/drawing/2014/main" val="10001"/>
+                    <a16:rowId xmlns:a16="http://schemas.microsoft.com/office/drawing/2014/main" xmlns="" val="10001"/>
                   </a:ext>
                 </a:extLst>
               </a:tr>
@@ -21635,7 +21511,7 @@
       </p:graphicFrame>
       <p:pic>
         <p:nvPicPr>
-          <p:cNvPr id="5" name="Picture 4"/>
+          <p:cNvPr id="11" name="Picture 10"/>
           <p:cNvPicPr>
             <a:picLocks noChangeAspect="1"/>
           </p:cNvPicPr>
@@ -21646,21 +21522,15 @@
           </p:nvPr>
         </p:nvPicPr>
         <p:blipFill>
-          <a:blip r:embed="rId10">
-            <a:extLst>
-              <a:ext uri="{28A0092B-C50C-407E-A947-70E740481C1C}">
-                <a14:useLocalDpi xmlns:a14="http://schemas.microsoft.com/office/drawing/2010/main" val="0"/>
-              </a:ext>
-            </a:extLst>
-          </a:blip>
+          <a:blip r:embed="rId10"/>
           <a:stretch>
             <a:fillRect/>
           </a:stretch>
         </p:blipFill>
         <p:spPr>
           <a:xfrm>
-            <a:off x="6827387" y="1904221"/>
-            <a:ext cx="4442887" cy="4094545"/>
+            <a:off x="2666930" y="2254244"/>
+            <a:ext cx="5984517" cy="3462740"/>
           </a:xfrm>
           <a:prstGeom prst="rect">
             <a:avLst/>
@@ -21673,7 +21543,7 @@
     </p:custDataLst>
     <p:extLst>
       <p:ext uri="{BB962C8B-B14F-4D97-AF65-F5344CB8AC3E}">
-        <p14:creationId xmlns:p14="http://schemas.microsoft.com/office/powerpoint/2010/main" val="2338188314"/>
+        <p14:creationId xmlns:p14="http://schemas.microsoft.com/office/powerpoint/2010/main" val="2163735900"/>
       </p:ext>
     </p:extLst>
   </p:cSld>
@@ -21764,493 +21634,6 @@
       </p:sp>
       <p:sp>
         <p:nvSpPr>
-          <p:cNvPr id="8" name="Rectangle 7"/>
-          <p:cNvSpPr>
-            <a:spLocks/>
-          </p:cNvSpPr>
-          <p:nvPr>
-            <p:custDataLst>
-              <p:tags r:id="rId3"/>
-            </p:custDataLst>
-          </p:nvPr>
-        </p:nvSpPr>
-        <p:spPr>
-          <a:xfrm>
-            <a:off x="659355" y="6399624"/>
-            <a:ext cx="10172494" cy="239951"/>
-          </a:xfrm>
-          <a:prstGeom prst="rect">
-            <a:avLst/>
-          </a:prstGeom>
-          <a:noFill/>
-          <a:ln w="9525" cap="flat" cmpd="sng" algn="ctr">
-            <a:noFill/>
-            <a:prstDash val="solid"/>
-          </a:ln>
-          <a:effectLst/>
-          <a:extLst>
-            <a:ext uri="{91240B29-F687-4F45-9708-019B960494DF}">
-              <a14:hiddenLine xmlns:a14="http://schemas.microsoft.com/office/drawing/2010/main" w="9525" cap="flat" cmpd="sng" algn="ctr">
-                <a:solidFill>
-                  <a:srgbClr val="3F136C"/>
-                </a:solidFill>
-                <a:prstDash val="solid"/>
-              </a14:hiddenLine>
-            </a:ext>
-            <a:ext uri="{AF507438-7753-43E0-B8FC-AC1667EBCBE1}">
-              <a14:hiddenEffects xmlns:a14="http://schemas.microsoft.com/office/drawing/2010/main">
-                <a:effectLst>
-                  <a:outerShdw blurRad="63500" rotWithShape="0">
-                    <a:scrgbClr r="0" g="0" b="0"/>
-                  </a:outerShdw>
-                </a:effectLst>
-              </a14:hiddenEffects>
-            </a:ext>
-            <a:ext uri="{53640926-AAD7-44D8-BBD7-CCE9431645EC}">
-              <a14:shadowObscured xmlns:a14="http://schemas.microsoft.com/office/drawing/2010/main"/>
-            </a:ext>
-          </a:extLst>
-        </p:spPr>
-        <p:txBody>
-          <a:bodyPr lIns="0" tIns="0" rIns="0" bIns="0" rtlCol="0" anchor="t"/>
-          <a:lstStyle/>
-          <a:p>
-            <a:pPr defTabSz="1016264">
-              <a:lnSpc>
-                <a:spcPct val="107000"/>
-              </a:lnSpc>
-              <a:spcAft>
-                <a:spcPts val="111"/>
-              </a:spcAft>
-            </a:pPr>
-            <a:endParaRPr lang="en-US" sz="667" kern="0" dirty="0">
-              <a:solidFill>
-                <a:srgbClr val="B2B3B5"/>
-              </a:solidFill>
-              <a:latin typeface="Bosch Office Sans"/>
-            </a:endParaRPr>
-          </a:p>
-        </p:txBody>
-      </p:sp>
-      <p:sp>
-        <p:nvSpPr>
-          <p:cNvPr id="7" name="Rectangle 6"/>
-          <p:cNvSpPr>
-            <a:spLocks/>
-          </p:cNvSpPr>
-          <p:nvPr>
-            <p:custDataLst>
-              <p:tags r:id="rId4"/>
-            </p:custDataLst>
-          </p:nvPr>
-        </p:nvSpPr>
-        <p:spPr>
-          <a:xfrm>
-            <a:off x="296606" y="6255654"/>
-            <a:ext cx="320405" cy="455906"/>
-          </a:xfrm>
-          <a:prstGeom prst="rect">
-            <a:avLst/>
-          </a:prstGeom>
-          <a:noFill/>
-          <a:ln w="9525" cap="flat" cmpd="sng" algn="ctr">
-            <a:noFill/>
-            <a:prstDash val="solid"/>
-          </a:ln>
-          <a:effectLst/>
-          <a:extLst>
-            <a:ext uri="{91240B29-F687-4F45-9708-019B960494DF}">
-              <a14:hiddenLine xmlns:a14="http://schemas.microsoft.com/office/drawing/2010/main" w="9525" cap="flat" cmpd="sng" algn="ctr">
-                <a:solidFill>
-                  <a:srgbClr val="3F136C"/>
-                </a:solidFill>
-                <a:prstDash val="solid"/>
-              </a14:hiddenLine>
-            </a:ext>
-            <a:ext uri="{AF507438-7753-43E0-B8FC-AC1667EBCBE1}">
-              <a14:hiddenEffects xmlns:a14="http://schemas.microsoft.com/office/drawing/2010/main">
-                <a:effectLst>
-                  <a:outerShdw blurRad="63500" rotWithShape="0">
-                    <a:scrgbClr r="0" g="0" b="0"/>
-                  </a:outerShdw>
-                </a:effectLst>
-              </a14:hiddenEffects>
-            </a:ext>
-            <a:ext uri="{53640926-AAD7-44D8-BBD7-CCE9431645EC}">
-              <a14:shadowObscured xmlns:a14="http://schemas.microsoft.com/office/drawing/2010/main"/>
-            </a:ext>
-          </a:extLst>
-        </p:spPr>
-        <p:txBody>
-          <a:bodyPr wrap="none" lIns="0" tIns="0" rIns="0" bIns="0" rtlCol="0" anchor="t"/>
-          <a:lstStyle/>
-          <a:p>
-            <a:pPr defTabSz="1016264"/>
-            <a:r>
-              <a:rPr lang="en-US" sz="1334" kern="0">
-                <a:solidFill>
-                  <a:srgbClr val="999FA6"/>
-                </a:solidFill>
-                <a:latin typeface="Bosch Office Sans"/>
-              </a:rPr>
-              <a:t>15</a:t>
-            </a:r>
-            <a:endParaRPr lang="en-US" sz="1334" kern="0" dirty="0">
-              <a:solidFill>
-                <a:srgbClr val="999FA6"/>
-              </a:solidFill>
-              <a:latin typeface="Bosch Office Sans"/>
-            </a:endParaRPr>
-          </a:p>
-        </p:txBody>
-      </p:sp>
-      <p:sp>
-        <p:nvSpPr>
-          <p:cNvPr id="6" name="Rectangle 5" hidden="1"/>
-          <p:cNvSpPr>
-            <a:spLocks/>
-          </p:cNvSpPr>
-          <p:nvPr>
-            <p:custDataLst>
-              <p:tags r:id="rId5"/>
-            </p:custDataLst>
-          </p:nvPr>
-        </p:nvSpPr>
-        <p:spPr>
-          <a:xfrm>
-            <a:off x="10251733" y="287941"/>
-            <a:ext cx="1880084" cy="863822"/>
-          </a:xfrm>
-          <a:prstGeom prst="rect">
-            <a:avLst/>
-          </a:prstGeom>
-          <a:noFill/>
-          <a:ln w="9525" cap="flat" cmpd="sng" algn="ctr">
-            <a:noFill/>
-            <a:prstDash val="solid"/>
-          </a:ln>
-          <a:effectLst/>
-          <a:extLst>
-            <a:ext uri="{91240B29-F687-4F45-9708-019B960494DF}">
-              <a14:hiddenLine xmlns:a14="http://schemas.microsoft.com/office/drawing/2010/main" w="9525" cap="flat" cmpd="sng" algn="ctr">
-                <a:solidFill>
-                  <a:srgbClr val="3F136C"/>
-                </a:solidFill>
-                <a:prstDash val="solid"/>
-              </a14:hiddenLine>
-            </a:ext>
-            <a:ext uri="{AF507438-7753-43E0-B8FC-AC1667EBCBE1}">
-              <a14:hiddenEffects xmlns:a14="http://schemas.microsoft.com/office/drawing/2010/main">
-                <a:effectLst>
-                  <a:outerShdw blurRad="63500" rotWithShape="0">
-                    <a:scrgbClr r="0" g="0" b="0"/>
-                  </a:outerShdw>
-                </a:effectLst>
-              </a14:hiddenEffects>
-            </a:ext>
-            <a:ext uri="{53640926-AAD7-44D8-BBD7-CCE9431645EC}">
-              <a14:shadowObscured xmlns:a14="http://schemas.microsoft.com/office/drawing/2010/main"/>
-            </a:ext>
-          </a:extLst>
-        </p:spPr>
-        <p:txBody>
-          <a:bodyPr lIns="0" tIns="19761" rIns="0" bIns="0" rtlCol="0" anchor="t">
-            <a:normAutofit/>
-          </a:bodyPr>
-          <a:lstStyle/>
-          <a:p>
-            <a:pPr defTabSz="1016264">
-              <a:lnSpc>
-                <a:spcPts val="1000"/>
-              </a:lnSpc>
-            </a:pPr>
-            <a:endParaRPr lang="en-US" sz="611" kern="0" dirty="0">
-              <a:latin typeface="Bosch Office Sans"/>
-            </a:endParaRPr>
-          </a:p>
-        </p:txBody>
-      </p:sp>
-      <p:sp>
-        <p:nvSpPr>
-          <p:cNvPr id="2" name="Title 1"/>
-          <p:cNvSpPr>
-            <a:spLocks noGrp="1"/>
-          </p:cNvSpPr>
-          <p:nvPr>
-            <p:ph type="title"/>
-            <p:custDataLst>
-              <p:tags r:id="rId6"/>
-            </p:custDataLst>
-          </p:nvPr>
-        </p:nvSpPr>
-        <p:spPr>
-          <a:xfrm>
-            <a:off x="288137" y="719852"/>
-            <a:ext cx="11616432" cy="431911"/>
-          </a:xfrm>
-          <a:effectLst/>
-          <a:extLst>
-            <a:ext uri="{AF507438-7753-43E0-B8FC-AC1667EBCBE1}">
-              <a14:hiddenEffects xmlns:a14="http://schemas.microsoft.com/office/drawing/2010/main">
-                <a:effectLst>
-                  <a:outerShdw blurRad="63500" rotWithShape="0">
-                    <a:scrgbClr r="0" g="0" b="0"/>
-                  </a:outerShdw>
-                </a:effectLst>
-              </a14:hiddenEffects>
-            </a:ext>
-            <a:ext uri="{53640926-AAD7-44D8-BBD7-CCE9431645EC}">
-              <a14:shadowObscured xmlns:a14="http://schemas.microsoft.com/office/drawing/2010/main"/>
-            </a:ext>
-          </a:extLst>
-        </p:spPr>
-        <p:txBody>
-          <a:bodyPr vert="horz" wrap="square" lIns="0" tIns="0" rIns="0" bIns="0" rtlCol="0" anchor="t">
-            <a:noAutofit/>
-          </a:bodyPr>
-          <a:lstStyle/>
-          <a:p>
-            <a:pPr>
-              <a:lnSpc>
-                <a:spcPct val="89000"/>
-              </a:lnSpc>
-              <a:spcBef>
-                <a:spcPts val="0"/>
-              </a:spcBef>
-            </a:pPr>
-            <a:r>
-              <a:rPr lang="en-US" sz="3112" dirty="0">
-                <a:solidFill>
-                  <a:srgbClr val="0A5139"/>
-                </a:solidFill>
-              </a:rPr>
-              <a:t>Car Sales Prediction</a:t>
-            </a:r>
-          </a:p>
-        </p:txBody>
-      </p:sp>
-      <p:graphicFrame>
-        <p:nvGraphicFramePr>
-          <p:cNvPr id="3" name="Table 2"/>
-          <p:cNvGraphicFramePr>
-            <a:graphicFrameLocks noGrp="1"/>
-          </p:cNvGraphicFramePr>
-          <p:nvPr>
-            <p:custDataLst>
-              <p:tags r:id="rId7"/>
-            </p:custDataLst>
-            <p:extLst/>
-          </p:nvPr>
-        </p:nvGraphicFramePr>
-        <p:xfrm>
-          <a:off x="617011" y="1565771"/>
-          <a:ext cx="10731438" cy="4204886"/>
-        </p:xfrm>
-        <a:graphic>
-          <a:graphicData uri="http://schemas.openxmlformats.org/drawingml/2006/table">
-            <a:tbl>
-              <a:tblPr firstRow="1" bandRow="1">
-                <a:tableStyleId>{5C22544A-7EE6-4342-B048-85BDC9FD1C3A}</a:tableStyleId>
-              </a:tblPr>
-              <a:tblGrid>
-                <a:gridCol w="10731438">
-                  <a:extLst>
-                    <a:ext uri="{9D8B030D-6E8A-4147-A177-3AD203B41FA5}">
-                      <a16:colId xmlns="" xmlns:a16="http://schemas.microsoft.com/office/drawing/2014/main" val="20000"/>
-                    </a:ext>
-                  </a:extLst>
-                </a:gridCol>
-              </a:tblGrid>
-              <a:tr h="623100">
-                <a:tc>
-                  <a:txBody>
-                    <a:bodyPr/>
-                    <a:lstStyle/>
-                    <a:p>
-                      <a:r>
-                        <a:rPr lang="en-US" sz="2000" dirty="0" smtClean="0"/>
-                        <a:t>Car</a:t>
-                      </a:r>
-                      <a:r>
-                        <a:rPr lang="en-US" sz="2000" baseline="0" dirty="0" smtClean="0"/>
-                        <a:t> Sales Prediction using RANDOM FOREST for </a:t>
-                      </a:r>
-                      <a:r>
-                        <a:rPr lang="en-US" sz="2000" baseline="0" dirty="0" err="1" smtClean="0"/>
-                        <a:t>Maruti</a:t>
-                      </a:r>
-                      <a:r>
-                        <a:rPr lang="en-US" sz="2000" baseline="0" dirty="0" smtClean="0"/>
-                        <a:t> Swift for 9 months are </a:t>
-                      </a:r>
-                      <a:endParaRPr lang="en-US" sz="2000" dirty="0"/>
-                    </a:p>
-                  </a:txBody>
-                  <a:tcPr marL="101626" marR="101626" marT="50813" marB="50813">
-                    <a:solidFill>
-                      <a:schemeClr val="accent5"/>
-                    </a:solidFill>
-                  </a:tcPr>
-                </a:tc>
-                <a:extLst>
-                  <a:ext uri="{0D108BD9-81ED-4DB2-BD59-A6C34878D82A}">
-                    <a16:rowId xmlns="" xmlns:a16="http://schemas.microsoft.com/office/drawing/2014/main" val="10000"/>
-                  </a:ext>
-                </a:extLst>
-              </a:tr>
-              <a:tr h="3581786">
-                <a:tc>
-                  <a:txBody>
-                    <a:bodyPr/>
-                    <a:lstStyle/>
-                    <a:p>
-                      <a:endParaRPr lang="en-US" sz="2000" dirty="0"/>
-                    </a:p>
-                  </a:txBody>
-                  <a:tcPr marL="101626" marR="101626" marT="50813" marB="50813">
-                    <a:solidFill>
-                      <a:schemeClr val="accent5">
-                        <a:lumMod val="20000"/>
-                        <a:lumOff val="80000"/>
-                      </a:schemeClr>
-                    </a:solidFill>
-                  </a:tcPr>
-                </a:tc>
-                <a:extLst>
-                  <a:ext uri="{0D108BD9-81ED-4DB2-BD59-A6C34878D82A}">
-                    <a16:rowId xmlns="" xmlns:a16="http://schemas.microsoft.com/office/drawing/2014/main" val="10001"/>
-                  </a:ext>
-                </a:extLst>
-              </a:tr>
-            </a:tbl>
-          </a:graphicData>
-        </a:graphic>
-      </p:graphicFrame>
-      <p:pic>
-        <p:nvPicPr>
-          <p:cNvPr id="11" name="Picture 10"/>
-          <p:cNvPicPr>
-            <a:picLocks noChangeAspect="1"/>
-          </p:cNvPicPr>
-          <p:nvPr>
-            <p:custDataLst>
-              <p:tags r:id="rId8"/>
-            </p:custDataLst>
-          </p:nvPr>
-        </p:nvPicPr>
-        <p:blipFill>
-          <a:blip r:embed="rId10"/>
-          <a:stretch>
-            <a:fillRect/>
-          </a:stretch>
-        </p:blipFill>
-        <p:spPr>
-          <a:xfrm>
-            <a:off x="2666930" y="2254244"/>
-            <a:ext cx="5984517" cy="3462740"/>
-          </a:xfrm>
-          <a:prstGeom prst="rect">
-            <a:avLst/>
-          </a:prstGeom>
-        </p:spPr>
-      </p:pic>
-    </p:spTree>
-    <p:custDataLst>
-      <p:tags r:id="rId1"/>
-    </p:custDataLst>
-    <p:extLst>
-      <p:ext uri="{BB962C8B-B14F-4D97-AF65-F5344CB8AC3E}">
-        <p14:creationId xmlns:p14="http://schemas.microsoft.com/office/powerpoint/2010/main" val="2163735900"/>
-      </p:ext>
-    </p:extLst>
-  </p:cSld>
-  <p:clrMapOvr>
-    <a:masterClrMapping/>
-  </p:clrMapOvr>
-  <p:timing>
-    <p:tnLst>
-      <p:par>
-        <p:cTn id="1" dur="indefinite" restart="never" nodeType="tmRoot"/>
-      </p:par>
-    </p:tnLst>
-  </p:timing>
-</p:sld>
-</file>
-
-<file path=ppt/slides/slide17.xml><?xml version="1.0" encoding="utf-8"?>
-<p:sld xmlns:a="http://schemas.openxmlformats.org/drawingml/2006/main" xmlns:r="http://schemas.openxmlformats.org/officeDocument/2006/relationships" xmlns:p="http://schemas.openxmlformats.org/presentationml/2006/main">
-  <p:cSld>
-    <p:spTree>
-      <p:nvGrpSpPr>
-        <p:cNvPr id="1" name=""/>
-        <p:cNvGrpSpPr/>
-        <p:nvPr/>
-      </p:nvGrpSpPr>
-      <p:grpSpPr>
-        <a:xfrm>
-          <a:off x="0" y="0"/>
-          <a:ext cx="0" cy="0"/>
-          <a:chOff x="0" y="0"/>
-          <a:chExt cx="0" cy="0"/>
-        </a:xfrm>
-      </p:grpSpPr>
-      <p:sp>
-        <p:nvSpPr>
-          <p:cNvPr id="10" name="TextBox 9"/>
-          <p:cNvSpPr txBox="1">
-            <a:spLocks/>
-          </p:cNvSpPr>
-          <p:nvPr>
-            <p:custDataLst>
-              <p:tags r:id="rId2"/>
-            </p:custDataLst>
-          </p:nvPr>
-        </p:nvSpPr>
-        <p:spPr>
-          <a:xfrm>
-            <a:off x="288137" y="287941"/>
-            <a:ext cx="11616432" cy="431911"/>
-          </a:xfrm>
-          <a:prstGeom prst="rect">
-            <a:avLst/>
-          </a:prstGeom>
-          <a:noFill/>
-          <a:effectLst/>
-          <a:extLst>
-            <a:ext uri="{AF507438-7753-43E0-B8FC-AC1667EBCBE1}">
-              <a14:hiddenEffects xmlns:a14="http://schemas.microsoft.com/office/drawing/2010/main">
-                <a:effectLst>
-                  <a:outerShdw blurRad="63500" rotWithShape="0">
-                    <a:scrgbClr r="0" g="0" b="0"/>
-                  </a:outerShdw>
-                </a:effectLst>
-              </a14:hiddenEffects>
-            </a:ext>
-            <a:ext uri="{53640926-AAD7-44D8-BBD7-CCE9431645EC}">
-              <a14:shadowObscured xmlns:a14="http://schemas.microsoft.com/office/drawing/2010/main"/>
-            </a:ext>
-          </a:extLst>
-        </p:spPr>
-        <p:txBody>
-          <a:bodyPr vert="horz" wrap="square" lIns="0" tIns="0" rIns="0" bIns="0" rtlCol="0" anchor="t">
-            <a:noAutofit/>
-          </a:bodyPr>
-          <a:lstStyle/>
-          <a:p>
-            <a:pPr>
-              <a:lnSpc>
-                <a:spcPct val="89000"/>
-              </a:lnSpc>
-            </a:pPr>
-            <a:r>
-              <a:rPr lang="en-US" sz="2667" dirty="0"/>
-              <a:t>Car and OEM Sales Forecast for Indian Market (Predictive Analysis)</a:t>
-            </a:r>
-          </a:p>
-        </p:txBody>
-      </p:sp>
-      <p:sp>
-        <p:nvSpPr>
           <p:cNvPr id="9" name="Rectangle 8"/>
           <p:cNvSpPr>
             <a:spLocks/>
@@ -22629,14 +22012,14 @@
                 <a:gridCol w="5011710">
                   <a:extLst>
                     <a:ext uri="{9D8B030D-6E8A-4147-A177-3AD203B41FA5}">
-                      <a16:colId xmlns="" xmlns:a16="http://schemas.microsoft.com/office/drawing/2014/main" val="20000"/>
+                      <a16:colId xmlns:a16="http://schemas.microsoft.com/office/drawing/2014/main" xmlns="" val="20000"/>
                     </a:ext>
                   </a:extLst>
                 </a:gridCol>
                 <a:gridCol w="5217243">
                   <a:extLst>
                     <a:ext uri="{9D8B030D-6E8A-4147-A177-3AD203B41FA5}">
-                      <a16:colId xmlns="" xmlns:a16="http://schemas.microsoft.com/office/drawing/2014/main" val="20001"/>
+                      <a16:colId xmlns:a16="http://schemas.microsoft.com/office/drawing/2014/main" xmlns="" val="20001"/>
                     </a:ext>
                   </a:extLst>
                 </a:gridCol>
@@ -22696,7 +22079,7 @@
                 </a:tc>
                 <a:extLst>
                   <a:ext uri="{0D108BD9-81ED-4DB2-BD59-A6C34878D82A}">
-                    <a16:rowId xmlns="" xmlns:a16="http://schemas.microsoft.com/office/drawing/2014/main" val="10000"/>
+                    <a16:rowId xmlns:a16="http://schemas.microsoft.com/office/drawing/2014/main" xmlns="" val="10000"/>
                   </a:ext>
                 </a:extLst>
               </a:tr>
@@ -22737,7 +22120,7 @@
                 </a:tc>
                 <a:extLst>
                   <a:ext uri="{0D108BD9-81ED-4DB2-BD59-A6C34878D82A}">
-                    <a16:rowId xmlns="" xmlns:a16="http://schemas.microsoft.com/office/drawing/2014/main" val="10001"/>
+                    <a16:rowId xmlns:a16="http://schemas.microsoft.com/office/drawing/2014/main" xmlns="" val="10001"/>
                   </a:ext>
                 </a:extLst>
               </a:tr>
@@ -22836,7 +22219,7 @@
 </p:sld>
 </file>
 
-<file path=ppt/slides/slide18.xml><?xml version="1.0" encoding="utf-8"?>
+<file path=ppt/slides/slide17.xml><?xml version="1.0" encoding="utf-8"?>
 <p:sld xmlns:a="http://schemas.openxmlformats.org/drawingml/2006/main" xmlns:r="http://schemas.openxmlformats.org/officeDocument/2006/relationships" xmlns:p="http://schemas.openxmlformats.org/presentationml/2006/main">
   <p:cSld>
     <p:spTree>
@@ -23945,11 +23328,7 @@
               </a:spcAft>
             </a:pPr>
             <a:r>
-              <a:rPr lang="en-US" sz="1778" b="1" kern="0" dirty="0">
-                <a:solidFill>
-                  <a:srgbClr val="000000"/>
-                </a:solidFill>
-              </a:rPr>
+              <a:rPr lang="en-US" sz="1778" b="1" kern="0" dirty="0"/>
               <a:t>Overview </a:t>
             </a:r>
           </a:p>
@@ -24688,7 +24067,7 @@
           <a:lstStyle/>
           <a:p>
             <a:r>
-              <a:rPr lang="en-US" sz="2001" dirty="0"/>
+              <a:rPr lang="en-US" sz="2001" b="1" dirty="0"/>
               <a:t>Car and OEM Sales Forecast for Indian Market </a:t>
             </a:r>
             <a:r>
@@ -24778,11 +24157,7 @@
               <a:buChar char="•"/>
             </a:pPr>
             <a:r>
-              <a:rPr lang="en-US" sz="1334" b="1" kern="0" dirty="0">
-                <a:solidFill>
-                  <a:srgbClr val="000000"/>
-                </a:solidFill>
-              </a:rPr>
+              <a:rPr lang="en-US" sz="1334" b="1" kern="0" dirty="0"/>
               <a:t>Build 6 months car and OEM Sales forecast using following input data</a:t>
             </a:r>
           </a:p>
@@ -24798,11 +24173,7 @@
               <a:buChar char="•"/>
             </a:pPr>
             <a:r>
-              <a:rPr lang="en-US" sz="1334" b="1" kern="0" dirty="0">
-                <a:solidFill>
-                  <a:srgbClr val="000000"/>
-                </a:solidFill>
-              </a:rPr>
+              <a:rPr lang="en-US" sz="1334" b="1" kern="0" dirty="0"/>
               <a:t>2 years of historical car sales</a:t>
             </a:r>
           </a:p>
@@ -24818,11 +24189,7 @@
               <a:buChar char="•"/>
             </a:pPr>
             <a:r>
-              <a:rPr lang="en-US" sz="1334" b="1" kern="0" dirty="0">
-                <a:solidFill>
-                  <a:srgbClr val="000000"/>
-                </a:solidFill>
-              </a:rPr>
+              <a:rPr lang="en-US" sz="1334" b="1" kern="0" dirty="0"/>
               <a:t>Fuel Price : Petrol and Diesel</a:t>
             </a:r>
           </a:p>
@@ -24838,11 +24205,7 @@
               <a:buChar char="•"/>
             </a:pPr>
             <a:r>
-              <a:rPr lang="en-US" sz="1334" b="1" kern="0" dirty="0">
-                <a:solidFill>
-                  <a:srgbClr val="000000"/>
-                </a:solidFill>
-              </a:rPr>
+              <a:rPr lang="en-US" sz="1334" b="1" kern="0" dirty="0"/>
               <a:t>GDP</a:t>
             </a:r>
           </a:p>
@@ -24858,11 +24221,7 @@
               <a:buChar char="•"/>
             </a:pPr>
             <a:r>
-              <a:rPr lang="en-US" sz="1334" b="1" kern="0" dirty="0">
-                <a:solidFill>
-                  <a:srgbClr val="000000"/>
-                </a:solidFill>
-              </a:rPr>
+              <a:rPr lang="en-US" sz="1334" b="1" kern="0" dirty="0"/>
               <a:t>Unemployment</a:t>
             </a:r>
           </a:p>
@@ -24878,11 +24237,7 @@
               <a:buChar char="•"/>
             </a:pPr>
             <a:r>
-              <a:rPr lang="en-US" sz="1334" b="1" kern="0" dirty="0">
-                <a:solidFill>
-                  <a:srgbClr val="000000"/>
-                </a:solidFill>
-              </a:rPr>
+              <a:rPr lang="en-US" sz="1334" b="1" kern="0" dirty="0"/>
               <a:t>Different types of Prediction Methods and Data Visualization are used to bring</a:t>
             </a:r>
           </a:p>
@@ -24898,11 +24253,7 @@
               <a:buChar char="•"/>
             </a:pPr>
             <a:r>
-              <a:rPr lang="en-US" sz="1334" b="1" kern="0" dirty="0">
-                <a:solidFill>
-                  <a:srgbClr val="000000"/>
-                </a:solidFill>
-              </a:rPr>
+              <a:rPr lang="en-US" sz="1334" b="1" kern="0" dirty="0"/>
               <a:t>Car Sales Forecast by make, segment and Fuel </a:t>
             </a:r>
           </a:p>
@@ -24918,11 +24269,7 @@
               <a:buChar char="•"/>
             </a:pPr>
             <a:r>
-              <a:rPr lang="en-US" sz="1334" b="1" kern="0" dirty="0">
-                <a:solidFill>
-                  <a:srgbClr val="000000"/>
-                </a:solidFill>
-              </a:rPr>
+              <a:rPr lang="en-US" sz="1334" b="1" kern="0" dirty="0"/>
               <a:t>BOSCH OEM Products Forecast</a:t>
             </a:r>
           </a:p>
@@ -25026,7 +24373,7 @@
 </p:sld>
 </file>
 
-<file path=ppt/slides/slide19.xml><?xml version="1.0" encoding="utf-8"?>
+<file path=ppt/slides/slide18.xml><?xml version="1.0" encoding="utf-8"?>
 <p:sld xmlns:a="http://schemas.openxmlformats.org/drawingml/2006/main" xmlns:r="http://schemas.openxmlformats.org/officeDocument/2006/relationships" xmlns:p="http://schemas.openxmlformats.org/presentationml/2006/main">
   <p:cSld>
     <p:spTree>
@@ -25443,11 +24790,7 @@
             </a:pPr>
             <a:r>
               <a:rPr lang="sv-SE" sz="1778" dirty="0" smtClean="0"/>
-              <a:t>Shobhit </a:t>
-            </a:r>
-            <a:r>
-              <a:rPr lang="sv-SE" sz="1778" dirty="0" smtClean="0"/>
-              <a:t>Sinha</a:t>
+              <a:t>Shobhit Sinha</a:t>
             </a:r>
             <a:endParaRPr lang="sv-SE" sz="1778" dirty="0"/>
           </a:p>
@@ -25599,6 +24942,181 @@
     <p:extLst>
       <p:ext uri="{BB962C8B-B14F-4D97-AF65-F5344CB8AC3E}">
         <p14:creationId xmlns:p14="http://schemas.microsoft.com/office/powerpoint/2010/main" val="686898507"/>
+      </p:ext>
+    </p:extLst>
+  </p:cSld>
+  <p:clrMapOvr>
+    <a:masterClrMapping/>
+  </p:clrMapOvr>
+  <p:timing>
+    <p:tnLst>
+      <p:par>
+        <p:cTn id="1" dur="indefinite" restart="never" nodeType="tmRoot"/>
+      </p:par>
+    </p:tnLst>
+  </p:timing>
+</p:sld>
+</file>
+
+<file path=ppt/slides/slide19.xml><?xml version="1.0" encoding="utf-8"?>
+<p:sld xmlns:a="http://schemas.openxmlformats.org/drawingml/2006/main" xmlns:r="http://schemas.openxmlformats.org/officeDocument/2006/relationships" xmlns:p="http://schemas.openxmlformats.org/presentationml/2006/main">
+  <p:cSld>
+    <p:spTree>
+      <p:nvGrpSpPr>
+        <p:cNvPr id="1" name=""/>
+        <p:cNvGrpSpPr/>
+        <p:nvPr/>
+      </p:nvGrpSpPr>
+      <p:grpSpPr>
+        <a:xfrm>
+          <a:off x="0" y="0"/>
+          <a:ext cx="0" cy="0"/>
+          <a:chOff x="0" y="0"/>
+          <a:chExt cx="0" cy="0"/>
+        </a:xfrm>
+      </p:grpSpPr>
+      <p:sp>
+        <p:nvSpPr>
+          <p:cNvPr id="3" name="Title 2"/>
+          <p:cNvSpPr>
+            <a:spLocks noGrp="1"/>
+          </p:cNvSpPr>
+          <p:nvPr>
+            <p:ph type="ctrTitle"/>
+            <p:custDataLst>
+              <p:tags r:id="rId2"/>
+            </p:custDataLst>
+          </p:nvPr>
+        </p:nvSpPr>
+        <p:spPr>
+          <a:xfrm>
+            <a:off x="694537" y="287941"/>
+            <a:ext cx="5350663" cy="5784221"/>
+          </a:xfrm>
+          <a:effectLst/>
+          <a:extLst>
+            <a:ext uri="{53640926-AAD7-44D8-BBD7-CCE9431645EC}">
+              <a14:shadowObscured xmlns:a14="http://schemas.microsoft.com/office/drawing/2010/main"/>
+            </a:ext>
+          </a:extLst>
+        </p:spPr>
+        <p:txBody>
+          <a:bodyPr vert="horz" wrap="square" lIns="0" tIns="0" rIns="0" bIns="0" rtlCol="0" anchor="t">
+            <a:noAutofit/>
+          </a:bodyPr>
+          <a:lstStyle/>
+          <a:p>
+            <a:r>
+              <a:rPr lang="en-US" dirty="0" smtClean="0">
+                <a:solidFill>
+                  <a:schemeClr val="tx1"/>
+                </a:solidFill>
+              </a:rPr>
+              <a:t/>
+            </a:r>
+            <a:br>
+              <a:rPr lang="en-US" dirty="0" smtClean="0">
+                <a:solidFill>
+                  <a:schemeClr val="tx1"/>
+                </a:solidFill>
+              </a:rPr>
+            </a:br>
+            <a:r>
+              <a:rPr lang="en-US" dirty="0" smtClean="0">
+                <a:solidFill>
+                  <a:schemeClr val="tx1"/>
+                </a:solidFill>
+              </a:rPr>
+              <a:t>Happy Machine</a:t>
+            </a:r>
+            <a:br>
+              <a:rPr lang="en-US" dirty="0" smtClean="0">
+                <a:solidFill>
+                  <a:schemeClr val="tx1"/>
+                </a:solidFill>
+              </a:rPr>
+            </a:br>
+            <a:r>
+              <a:rPr lang="en-US" dirty="0" smtClean="0">
+                <a:solidFill>
+                  <a:schemeClr val="tx1"/>
+                </a:solidFill>
+              </a:rPr>
+              <a:t>Learning    </a:t>
+            </a:r>
+            <a:r>
+              <a:rPr lang="en-US" dirty="0">
+                <a:solidFill>
+                  <a:schemeClr val="tx1"/>
+                </a:solidFill>
+              </a:rPr>
+              <a:t/>
+            </a:r>
+            <a:br>
+              <a:rPr lang="en-US" dirty="0">
+                <a:solidFill>
+                  <a:schemeClr val="tx1"/>
+                </a:solidFill>
+              </a:rPr>
+            </a:br>
+            <a:r>
+              <a:rPr lang="en-US" dirty="0" smtClean="0">
+                <a:solidFill>
+                  <a:schemeClr val="tx1"/>
+                </a:solidFill>
+              </a:rPr>
+              <a:t>(THANK YOU)                   </a:t>
+            </a:r>
+            <a:endParaRPr lang="en-US" dirty="0">
+              <a:solidFill>
+                <a:schemeClr val="tx1"/>
+              </a:solidFill>
+            </a:endParaRPr>
+          </a:p>
+        </p:txBody>
+      </p:sp>
+      <p:sp>
+        <p:nvSpPr>
+          <p:cNvPr id="2" name="Subtitle 1" hidden="1"/>
+          <p:cNvSpPr>
+            <a:spLocks noGrp="1"/>
+          </p:cNvSpPr>
+          <p:nvPr>
+            <p:ph type="subTitle" idx="1"/>
+            <p:custDataLst>
+              <p:tags r:id="rId3"/>
+            </p:custDataLst>
+          </p:nvPr>
+        </p:nvSpPr>
+        <p:spPr>
+          <a:xfrm>
+            <a:off x="197" y="0"/>
+            <a:ext cx="1411474" cy="141147"/>
+          </a:xfrm>
+          <a:effectLst/>
+          <a:extLst>
+            <a:ext uri="{53640926-AAD7-44D8-BBD7-CCE9431645EC}">
+              <a14:shadowObscured xmlns:a14="http://schemas.microsoft.com/office/drawing/2010/main"/>
+            </a:ext>
+          </a:extLst>
+        </p:spPr>
+        <p:txBody>
+          <a:bodyPr vert="horz" wrap="none" lIns="0" tIns="0" rIns="0" bIns="0" rtlCol="0" anchor="t">
+            <a:noAutofit/>
+          </a:bodyPr>
+          <a:lstStyle/>
+          <a:p>
+            <a:endParaRPr lang="en-US"/>
+          </a:p>
+        </p:txBody>
+      </p:sp>
+    </p:spTree>
+    <p:custDataLst>
+      <p:tags r:id="rId1"/>
+    </p:custDataLst>
+    <p:extLst>
+      <p:ext uri="{BB962C8B-B14F-4D97-AF65-F5344CB8AC3E}">
+        <p14:creationId xmlns:p14="http://schemas.microsoft.com/office/powerpoint/2010/main" val="3721181551"/>
       </p:ext>
     </p:extLst>
   </p:cSld>
@@ -26333,181 +25851,6 @@
 </p:sld>
 </file>
 
-<file path=ppt/slides/slide20.xml><?xml version="1.0" encoding="utf-8"?>
-<p:sld xmlns:a="http://schemas.openxmlformats.org/drawingml/2006/main" xmlns:r="http://schemas.openxmlformats.org/officeDocument/2006/relationships" xmlns:p="http://schemas.openxmlformats.org/presentationml/2006/main">
-  <p:cSld>
-    <p:spTree>
-      <p:nvGrpSpPr>
-        <p:cNvPr id="1" name=""/>
-        <p:cNvGrpSpPr/>
-        <p:nvPr/>
-      </p:nvGrpSpPr>
-      <p:grpSpPr>
-        <a:xfrm>
-          <a:off x="0" y="0"/>
-          <a:ext cx="0" cy="0"/>
-          <a:chOff x="0" y="0"/>
-          <a:chExt cx="0" cy="0"/>
-        </a:xfrm>
-      </p:grpSpPr>
-      <p:sp>
-        <p:nvSpPr>
-          <p:cNvPr id="3" name="Title 2"/>
-          <p:cNvSpPr>
-            <a:spLocks noGrp="1"/>
-          </p:cNvSpPr>
-          <p:nvPr>
-            <p:ph type="ctrTitle"/>
-            <p:custDataLst>
-              <p:tags r:id="rId2"/>
-            </p:custDataLst>
-          </p:nvPr>
-        </p:nvSpPr>
-        <p:spPr>
-          <a:xfrm>
-            <a:off x="288137" y="287941"/>
-            <a:ext cx="10972800" cy="5784221"/>
-          </a:xfrm>
-          <a:effectLst/>
-          <a:extLst>
-            <a:ext uri="{53640926-AAD7-44D8-BBD7-CCE9431645EC}">
-              <a14:shadowObscured xmlns:a14="http://schemas.microsoft.com/office/drawing/2010/main"/>
-            </a:ext>
-          </a:extLst>
-        </p:spPr>
-        <p:txBody>
-          <a:bodyPr vert="horz" wrap="square" lIns="0" tIns="0" rIns="0" bIns="0" rtlCol="0" anchor="t">
-            <a:noAutofit/>
-          </a:bodyPr>
-          <a:lstStyle/>
-          <a:p>
-            <a:r>
-              <a:rPr lang="en-US" dirty="0" smtClean="0">
-                <a:solidFill>
-                  <a:schemeClr val="tx1"/>
-                </a:solidFill>
-              </a:rPr>
-              <a:t/>
-            </a:r>
-            <a:br>
-              <a:rPr lang="en-US" dirty="0" smtClean="0">
-                <a:solidFill>
-                  <a:schemeClr val="tx1"/>
-                </a:solidFill>
-              </a:rPr>
-            </a:br>
-            <a:r>
-              <a:rPr lang="en-US" dirty="0" smtClean="0">
-                <a:solidFill>
-                  <a:schemeClr val="tx1"/>
-                </a:solidFill>
-              </a:rPr>
-              <a:t>Happy Machine</a:t>
-            </a:r>
-            <a:br>
-              <a:rPr lang="en-US" dirty="0" smtClean="0">
-                <a:solidFill>
-                  <a:schemeClr val="tx1"/>
-                </a:solidFill>
-              </a:rPr>
-            </a:br>
-            <a:r>
-              <a:rPr lang="en-US" dirty="0" smtClean="0">
-                <a:solidFill>
-                  <a:schemeClr val="tx1"/>
-                </a:solidFill>
-              </a:rPr>
-              <a:t>Learning    </a:t>
-            </a:r>
-            <a:r>
-              <a:rPr lang="en-US" dirty="0">
-                <a:solidFill>
-                  <a:schemeClr val="tx1"/>
-                </a:solidFill>
-              </a:rPr>
-              <a:t/>
-            </a:r>
-            <a:br>
-              <a:rPr lang="en-US" dirty="0">
-                <a:solidFill>
-                  <a:schemeClr val="tx1"/>
-                </a:solidFill>
-              </a:rPr>
-            </a:br>
-            <a:r>
-              <a:rPr lang="en-US" dirty="0" smtClean="0">
-                <a:solidFill>
-                  <a:schemeClr val="tx1"/>
-                </a:solidFill>
-              </a:rPr>
-              <a:t>(THANK YOU)                   </a:t>
-            </a:r>
-            <a:endParaRPr lang="en-US" dirty="0">
-              <a:solidFill>
-                <a:schemeClr val="tx1"/>
-              </a:solidFill>
-            </a:endParaRPr>
-          </a:p>
-        </p:txBody>
-      </p:sp>
-      <p:sp>
-        <p:nvSpPr>
-          <p:cNvPr id="2" name="Subtitle 1" hidden="1"/>
-          <p:cNvSpPr>
-            <a:spLocks noGrp="1"/>
-          </p:cNvSpPr>
-          <p:nvPr>
-            <p:ph type="subTitle" idx="1"/>
-            <p:custDataLst>
-              <p:tags r:id="rId3"/>
-            </p:custDataLst>
-          </p:nvPr>
-        </p:nvSpPr>
-        <p:spPr>
-          <a:xfrm>
-            <a:off x="197" y="0"/>
-            <a:ext cx="1411474" cy="141147"/>
-          </a:xfrm>
-          <a:effectLst/>
-          <a:extLst>
-            <a:ext uri="{53640926-AAD7-44D8-BBD7-CCE9431645EC}">
-              <a14:shadowObscured xmlns:a14="http://schemas.microsoft.com/office/drawing/2010/main"/>
-            </a:ext>
-          </a:extLst>
-        </p:spPr>
-        <p:txBody>
-          <a:bodyPr vert="horz" wrap="none" lIns="0" tIns="0" rIns="0" bIns="0" rtlCol="0" anchor="t">
-            <a:noAutofit/>
-          </a:bodyPr>
-          <a:lstStyle/>
-          <a:p>
-            <a:endParaRPr lang="en-US"/>
-          </a:p>
-        </p:txBody>
-      </p:sp>
-    </p:spTree>
-    <p:custDataLst>
-      <p:tags r:id="rId1"/>
-    </p:custDataLst>
-    <p:extLst>
-      <p:ext uri="{BB962C8B-B14F-4D97-AF65-F5344CB8AC3E}">
-        <p14:creationId xmlns:p14="http://schemas.microsoft.com/office/powerpoint/2010/main" val="3721181551"/>
-      </p:ext>
-    </p:extLst>
-  </p:cSld>
-  <p:clrMapOvr>
-    <a:masterClrMapping/>
-  </p:clrMapOvr>
-  <p:timing>
-    <p:tnLst>
-      <p:par>
-        <p:cTn id="1" dur="indefinite" restart="never" nodeType="tmRoot"/>
-      </p:par>
-    </p:tnLst>
-  </p:timing>
-</p:sld>
-</file>
-
 <file path=ppt/slides/slide3.xml><?xml version="1.0" encoding="utf-8"?>
 <p:sld xmlns:a="http://schemas.openxmlformats.org/drawingml/2006/main" xmlns:r="http://schemas.openxmlformats.org/officeDocument/2006/relationships" xmlns:p="http://schemas.openxmlformats.org/presentationml/2006/main">
   <p:cSld>
@@ -27196,7 +26539,7 @@
         <p:spPr>
           <a:xfrm>
             <a:off x="6883224" y="1290659"/>
-            <a:ext cx="5179431" cy="1339213"/>
+            <a:ext cx="5179431" cy="1647118"/>
           </a:xfrm>
           <a:prstGeom prst="rect">
             <a:avLst/>
@@ -27235,8 +26578,19 @@
           <a:p>
             <a:r>
               <a:rPr lang="en-US" sz="2001" b="1" dirty="0"/>
-              <a:t>Linear Regression</a:t>
+              <a:t>Linear </a:t>
             </a:r>
+            <a:r>
+              <a:rPr lang="en-US" sz="2001" b="1" dirty="0" smtClean="0"/>
+              <a:t>Regression</a:t>
+            </a:r>
+          </a:p>
+          <a:p>
+            <a:r>
+              <a:rPr lang="en-US" sz="2001" b="1" dirty="0" smtClean="0"/>
+              <a:t>Logistic Regression</a:t>
+            </a:r>
+            <a:endParaRPr lang="en-US" sz="2001" b="1" dirty="0"/>
           </a:p>
           <a:p>
             <a:r>
@@ -27724,21 +27078,21 @@
                 <a:gridCol w="2444999">
                   <a:extLst>
                     <a:ext uri="{9D8B030D-6E8A-4147-A177-3AD203B41FA5}">
-                      <a16:colId xmlns="" xmlns:a16="http://schemas.microsoft.com/office/drawing/2014/main" val="2844547394"/>
+                      <a16:colId xmlns:a16="http://schemas.microsoft.com/office/drawing/2014/main" xmlns="" val="2844547394"/>
                     </a:ext>
                   </a:extLst>
                 </a:gridCol>
                 <a:gridCol w="5879611">
                   <a:extLst>
                     <a:ext uri="{9D8B030D-6E8A-4147-A177-3AD203B41FA5}">
-                      <a16:colId xmlns="" xmlns:a16="http://schemas.microsoft.com/office/drawing/2014/main" val="3672511867"/>
+                      <a16:colId xmlns:a16="http://schemas.microsoft.com/office/drawing/2014/main" xmlns="" val="3672511867"/>
                     </a:ext>
                   </a:extLst>
                 </a:gridCol>
                 <a:gridCol w="1904343">
                   <a:extLst>
                     <a:ext uri="{9D8B030D-6E8A-4147-A177-3AD203B41FA5}">
-                      <a16:colId xmlns="" xmlns:a16="http://schemas.microsoft.com/office/drawing/2014/main" val="4059454952"/>
+                      <a16:colId xmlns:a16="http://schemas.microsoft.com/office/drawing/2014/main" xmlns="" val="4059454952"/>
                     </a:ext>
                   </a:extLst>
                 </a:gridCol>
@@ -27804,7 +27158,7 @@
                 </a:tc>
                 <a:extLst>
                   <a:ext uri="{0D108BD9-81ED-4DB2-BD59-A6C34878D82A}">
-                    <a16:rowId xmlns="" xmlns:a16="http://schemas.microsoft.com/office/drawing/2014/main" val="3497713299"/>
+                    <a16:rowId xmlns:a16="http://schemas.microsoft.com/office/drawing/2014/main" xmlns="" val="3497713299"/>
                   </a:ext>
                 </a:extLst>
               </a:tr>
@@ -27896,7 +27250,7 @@
                 </a:tc>
                 <a:extLst>
                   <a:ext uri="{0D108BD9-81ED-4DB2-BD59-A6C34878D82A}">
-                    <a16:rowId xmlns="" xmlns:a16="http://schemas.microsoft.com/office/drawing/2014/main" val="476794400"/>
+                    <a16:rowId xmlns:a16="http://schemas.microsoft.com/office/drawing/2014/main" xmlns="" val="476794400"/>
                   </a:ext>
                 </a:extLst>
               </a:tr>
@@ -27988,7 +27342,7 @@
                 </a:tc>
                 <a:extLst>
                   <a:ext uri="{0D108BD9-81ED-4DB2-BD59-A6C34878D82A}">
-                    <a16:rowId xmlns="" xmlns:a16="http://schemas.microsoft.com/office/drawing/2014/main" val="2084985631"/>
+                    <a16:rowId xmlns:a16="http://schemas.microsoft.com/office/drawing/2014/main" xmlns="" val="2084985631"/>
                   </a:ext>
                 </a:extLst>
               </a:tr>
@@ -28080,7 +27434,7 @@
                 </a:tc>
                 <a:extLst>
                   <a:ext uri="{0D108BD9-81ED-4DB2-BD59-A6C34878D82A}">
-                    <a16:rowId xmlns="" xmlns:a16="http://schemas.microsoft.com/office/drawing/2014/main" val="3596604742"/>
+                    <a16:rowId xmlns:a16="http://schemas.microsoft.com/office/drawing/2014/main" xmlns="" val="3596604742"/>
                   </a:ext>
                 </a:extLst>
               </a:tr>
@@ -28150,7 +27504,7 @@
                 </a:tc>
                 <a:extLst>
                   <a:ext uri="{0D108BD9-81ED-4DB2-BD59-A6C34878D82A}">
-                    <a16:rowId xmlns="" xmlns:a16="http://schemas.microsoft.com/office/drawing/2014/main" val="1701883094"/>
+                    <a16:rowId xmlns:a16="http://schemas.microsoft.com/office/drawing/2014/main" xmlns="" val="1701883094"/>
                   </a:ext>
                 </a:extLst>
               </a:tr>
@@ -28255,7 +27609,7 @@
                 </a:tc>
                 <a:extLst>
                   <a:ext uri="{0D108BD9-81ED-4DB2-BD59-A6C34878D82A}">
-                    <a16:rowId xmlns="" xmlns:a16="http://schemas.microsoft.com/office/drawing/2014/main" val="3229444998"/>
+                    <a16:rowId xmlns:a16="http://schemas.microsoft.com/office/drawing/2014/main" xmlns="" val="3229444998"/>
                   </a:ext>
                 </a:extLst>
               </a:tr>
@@ -28347,7 +27701,7 @@
                 </a:tc>
                 <a:extLst>
                   <a:ext uri="{0D108BD9-81ED-4DB2-BD59-A6C34878D82A}">
-                    <a16:rowId xmlns="" xmlns:a16="http://schemas.microsoft.com/office/drawing/2014/main" val="2889670044"/>
+                    <a16:rowId xmlns:a16="http://schemas.microsoft.com/office/drawing/2014/main" xmlns="" val="2889670044"/>
                   </a:ext>
                 </a:extLst>
               </a:tr>
@@ -28434,7 +27788,7 @@
                 </a:tc>
                 <a:extLst>
                   <a:ext uri="{0D108BD9-81ED-4DB2-BD59-A6C34878D82A}">
-                    <a16:rowId xmlns="" xmlns:a16="http://schemas.microsoft.com/office/drawing/2014/main" val="1891745283"/>
+                    <a16:rowId xmlns:a16="http://schemas.microsoft.com/office/drawing/2014/main" xmlns="" val="1891745283"/>
                   </a:ext>
                 </a:extLst>
               </a:tr>
@@ -28530,7 +27884,7 @@
                 </a:tc>
                 <a:extLst>
                   <a:ext uri="{0D108BD9-81ED-4DB2-BD59-A6C34878D82A}">
-                    <a16:rowId xmlns="" xmlns:a16="http://schemas.microsoft.com/office/drawing/2014/main" val="3416753214"/>
+                    <a16:rowId xmlns:a16="http://schemas.microsoft.com/office/drawing/2014/main" xmlns="" val="3416753214"/>
                   </a:ext>
                 </a:extLst>
               </a:tr>
@@ -29008,14 +28362,14 @@
                 <a:gridCol w="4270036">
                   <a:extLst>
                     <a:ext uri="{9D8B030D-6E8A-4147-A177-3AD203B41FA5}">
-                      <a16:colId xmlns="" xmlns:a16="http://schemas.microsoft.com/office/drawing/2014/main" val="2844547394"/>
+                      <a16:colId xmlns:a16="http://schemas.microsoft.com/office/drawing/2014/main" xmlns="" val="2844547394"/>
                     </a:ext>
                   </a:extLst>
                 </a:gridCol>
                 <a:gridCol w="5523314">
                   <a:extLst>
                     <a:ext uri="{9D8B030D-6E8A-4147-A177-3AD203B41FA5}">
-                      <a16:colId xmlns="" xmlns:a16="http://schemas.microsoft.com/office/drawing/2014/main" val="3672511867"/>
+                      <a16:colId xmlns:a16="http://schemas.microsoft.com/office/drawing/2014/main" xmlns="" val="3672511867"/>
                     </a:ext>
                   </a:extLst>
                 </a:gridCol>
@@ -29055,7 +28409,7 @@
                 </a:tc>
                 <a:extLst>
                   <a:ext uri="{0D108BD9-81ED-4DB2-BD59-A6C34878D82A}">
-                    <a16:rowId xmlns="" xmlns:a16="http://schemas.microsoft.com/office/drawing/2014/main" val="3497713299"/>
+                    <a16:rowId xmlns:a16="http://schemas.microsoft.com/office/drawing/2014/main" xmlns="" val="3497713299"/>
                   </a:ext>
                 </a:extLst>
               </a:tr>
@@ -29137,7 +28491,7 @@
                 </a:tc>
                 <a:extLst>
                   <a:ext uri="{0D108BD9-81ED-4DB2-BD59-A6C34878D82A}">
-                    <a16:rowId xmlns="" xmlns:a16="http://schemas.microsoft.com/office/drawing/2014/main" val="476794400"/>
+                    <a16:rowId xmlns:a16="http://schemas.microsoft.com/office/drawing/2014/main" xmlns="" val="476794400"/>
                   </a:ext>
                 </a:extLst>
               </a:tr>
@@ -29224,7 +28578,7 @@
                 </a:tc>
                 <a:extLst>
                   <a:ext uri="{0D108BD9-81ED-4DB2-BD59-A6C34878D82A}">
-                    <a16:rowId xmlns="" xmlns:a16="http://schemas.microsoft.com/office/drawing/2014/main" val="2084985631"/>
+                    <a16:rowId xmlns:a16="http://schemas.microsoft.com/office/drawing/2014/main" xmlns="" val="2084985631"/>
                   </a:ext>
                 </a:extLst>
               </a:tr>
@@ -29311,7 +28665,7 @@
                 </a:tc>
                 <a:extLst>
                   <a:ext uri="{0D108BD9-81ED-4DB2-BD59-A6C34878D82A}">
-                    <a16:rowId xmlns="" xmlns:a16="http://schemas.microsoft.com/office/drawing/2014/main" val="3596604742"/>
+                    <a16:rowId xmlns:a16="http://schemas.microsoft.com/office/drawing/2014/main" xmlns="" val="3596604742"/>
                   </a:ext>
                 </a:extLst>
               </a:tr>
@@ -29376,7 +28730,7 @@
                 </a:tc>
                 <a:extLst>
                   <a:ext uri="{0D108BD9-81ED-4DB2-BD59-A6C34878D82A}">
-                    <a16:rowId xmlns="" xmlns:a16="http://schemas.microsoft.com/office/drawing/2014/main" val="1701883094"/>
+                    <a16:rowId xmlns:a16="http://schemas.microsoft.com/office/drawing/2014/main" xmlns="" val="1701883094"/>
                   </a:ext>
                 </a:extLst>
               </a:tr>
@@ -29464,7 +28818,7 @@
                 </a:tc>
                 <a:extLst>
                   <a:ext uri="{0D108BD9-81ED-4DB2-BD59-A6C34878D82A}">
-                    <a16:rowId xmlns="" xmlns:a16="http://schemas.microsoft.com/office/drawing/2014/main" val="3229444998"/>
+                    <a16:rowId xmlns:a16="http://schemas.microsoft.com/office/drawing/2014/main" xmlns="" val="3229444998"/>
                   </a:ext>
                 </a:extLst>
               </a:tr>
@@ -29550,7 +28904,7 @@
                 </a:tc>
                 <a:extLst>
                   <a:ext uri="{0D108BD9-81ED-4DB2-BD59-A6C34878D82A}">
-                    <a16:rowId xmlns="" xmlns:a16="http://schemas.microsoft.com/office/drawing/2014/main" val="2889670044"/>
+                    <a16:rowId xmlns:a16="http://schemas.microsoft.com/office/drawing/2014/main" xmlns="" val="2889670044"/>
                   </a:ext>
                 </a:extLst>
               </a:tr>
@@ -29637,7 +28991,7 @@
                 </a:tc>
                 <a:extLst>
                   <a:ext uri="{0D108BD9-81ED-4DB2-BD59-A6C34878D82A}">
-                    <a16:rowId xmlns="" xmlns:a16="http://schemas.microsoft.com/office/drawing/2014/main" val="1891745283"/>
+                    <a16:rowId xmlns:a16="http://schemas.microsoft.com/office/drawing/2014/main" xmlns="" val="1891745283"/>
                   </a:ext>
                 </a:extLst>
               </a:tr>
@@ -29698,7 +29052,7 @@
                 </a:tc>
                 <a:extLst>
                   <a:ext uri="{0D108BD9-81ED-4DB2-BD59-A6C34878D82A}">
-                    <a16:rowId xmlns="" xmlns:a16="http://schemas.microsoft.com/office/drawing/2014/main" val="3416753214"/>
+                    <a16:rowId xmlns:a16="http://schemas.microsoft.com/office/drawing/2014/main" xmlns="" val="3416753214"/>
                   </a:ext>
                 </a:extLst>
               </a:tr>
@@ -30157,7 +29511,7 @@
             </p:custDataLst>
             <p:extLst>
               <p:ext uri="{D42A27DB-BD31-4B8C-83A1-F6EECF244321}">
-                <p14:modId xmlns:p14="http://schemas.microsoft.com/office/powerpoint/2010/main" val="3980296265"/>
+                <p14:modId xmlns:p14="http://schemas.microsoft.com/office/powerpoint/2010/main" val="4236675599"/>
               </p:ext>
             </p:extLst>
           </p:nvPr>
@@ -32333,158 +31687,6 @@
 
 <file path=ppt/tags/tag132.xml><?xml version="1.0" encoding="utf-8"?>
 <p:tagLst xmlns:a="http://schemas.openxmlformats.org/drawingml/2006/main" xmlns:r="http://schemas.openxmlformats.org/officeDocument/2006/relationships" xmlns:p="http://schemas.openxmlformats.org/presentationml/2006/main">
-  <p:tag name="FONT" val="Reg6"/>
-  <p:tag name="FONTSETCLASSNAME" val="FontSet1"/>
-  <p:tag name="FONTCOLOR" val="Black"/>
-  <p:tag name="FONTCOLOR2" val="LightGray"/>
-  <p:tag name="FONTCOLOR3" val="LightGray"/>
-  <p:tag name="RUNS.FONT" val="3"/>
-  <p:tag name="COLORS" val="-2;-2;-2;-2;Black;-2"/>
-  <p:tag name="COLORSETCLASSNAME" val="ColorSet1"/>
-  <p:tag name="SCRIPT" val="1"/>
-  <p:tag name="FIELDS" val="REM_ABL;COPY;"/>
-  <p:tag name="MLI" val="1"/>
-  <p:tag name="SHAPESETGROUPCLASSNAME" val="ShapeSetGroup1"/>
-  <p:tag name="SHAPESETCLASSNAME" val="TwoObjects"/>
-  <p:tag name="COLORSETGROUPCLASSNAME" val="ColorSetGroup7"/>
-  <p:tag name="FONTSETGROUPCLASSNAME" val="FontSetGroup1"/>
-  <p:tag name="SHAPECLASSNAME" val="FooterLine2OnSlides"/>
-  <p:tag name="SHAPECLASSPROTECTIONTYPE" val="63"/>
-</p:tagLst>
-</file>
-
-<file path=ppt/tags/tag133.xml><?xml version="1.0" encoding="utf-8"?>
-<p:tagLst xmlns:a="http://schemas.openxmlformats.org/drawingml/2006/main" xmlns:r="http://schemas.openxmlformats.org/officeDocument/2006/relationships" xmlns:p="http://schemas.openxmlformats.org/presentationml/2006/main">
-  <p:tag name="FONT" val="Reg12"/>
-  <p:tag name="FONTSETCLASSNAME" val="FontSet1"/>
-  <p:tag name="COLORS" val="-2;-2;-2;-2;DarkGray2;-2"/>
-  <p:tag name="COLORSETCLASSNAME" val="ColorSet1"/>
-  <p:tag name="SCRIPT" val="1"/>
-  <p:tag name="MLI" val="1"/>
-  <p:tag name="SHAPESETGROUPCLASSNAME" val="ShapeSetGroup1"/>
-  <p:tag name="SHAPESETCLASSNAME" val="TwoObjects"/>
-  <p:tag name="COLORSETGROUPCLASSNAME" val="ColorSetGroup7"/>
-  <p:tag name="FONTSETGROUPCLASSNAME" val="FontSetGroup1"/>
-  <p:tag name="SHAPECLASSNAME" val="PageNumberOnSlides"/>
-  <p:tag name="SHAPECLASSPROTECTIONTYPE" val="63"/>
-</p:tagLst>
-</file>
-
-<file path=ppt/tags/tag134.xml><?xml version="1.0" encoding="utf-8"?>
-<p:tagLst xmlns:a="http://schemas.openxmlformats.org/drawingml/2006/main" xmlns:r="http://schemas.openxmlformats.org/officeDocument/2006/relationships" xmlns:p="http://schemas.openxmlformats.org/presentationml/2006/main">
-  <p:tag name="FONT" val="Reg5x5"/>
-  <p:tag name="FONTSETCLASSNAME" val="FontSet1"/>
-  <p:tag name="COLORS" val="-2;-2;-2;-2;-2;-2"/>
-  <p:tag name="COLORSETCLASSNAME" val="ColorSet1"/>
-  <p:tag name="SCRIPT" val="1"/>
-  <p:tag name="FIELDS" val="REM_ANL;"/>
-  <p:tag name="MLI" val="1"/>
-  <p:tag name="SHAPESETGROUPCLASSNAME" val="ShapeSetGroup1"/>
-  <p:tag name="SHAPESETCLASSNAME" val="TwoObjects"/>
-  <p:tag name="COLORSETGROUPCLASSNAME" val="ColorSetGroup7"/>
-  <p:tag name="FONTSETGROUPCLASSNAME" val="FontSetGroup1"/>
-  <p:tag name="SHAPECLASSNAME" val="Attachment"/>
-  <p:tag name="SHAPECLASSPROTECTIONTYPE" val="3"/>
-</p:tagLst>
-</file>
-
-<file path=ppt/tags/tag135.xml><?xml version="1.0" encoding="utf-8"?>
-<p:tagLst xmlns:a="http://schemas.openxmlformats.org/drawingml/2006/main" xmlns:r="http://schemas.openxmlformats.org/officeDocument/2006/relationships" xmlns:p="http://schemas.openxmlformats.org/presentationml/2006/main">
-  <p:tag name="FONT" val="Reg28"/>
-  <p:tag name="FONTSETCLASSNAME" val="FontSet1"/>
-  <p:tag name="FONTCOLOR" val="Primary"/>
-  <p:tag name="FONTCOLOR2" val="Primary"/>
-  <p:tag name="RUNS.FONT" val="2"/>
-  <p:tag name="COLORSETCLASSNAME" val="ColorSet2"/>
-  <p:tag name="MLI" val="1"/>
-  <p:tag name="SHAPESETGROUPCLASSNAME" val="ShapeSetGroup1"/>
-  <p:tag name="SHAPESETCLASSNAME" val="TwoObjects"/>
-  <p:tag name="COLORSETGROUPCLASSNAME" val="ColorSetGroup7"/>
-  <p:tag name="FONTSETGROUPCLASSNAME" val="FontSetGroup1"/>
-  <p:tag name="SHAPECLASSNAME" val="TitleOnSlides"/>
-  <p:tag name="SHAPECLASSPROTECTIONTYPE" val="9"/>
-  <p:tag name="COLORS" val="-2;-2;-2;-2;Primary;-2"/>
-</p:tagLst>
-</file>
-
-<file path=ppt/tags/tag136.xml><?xml version="1.0" encoding="utf-8"?>
-<p:tagLst xmlns:a="http://schemas.openxmlformats.org/drawingml/2006/main" xmlns:r="http://schemas.openxmlformats.org/officeDocument/2006/relationships" xmlns:p="http://schemas.openxmlformats.org/presentationml/2006/main">
-  <p:tag name="COLORSETCLASSNAME" val="ColorSet2"/>
-  <p:tag name="COLORS" val="-1;-1;-1;-1;-1;-2"/>
-</p:tagLst>
-</file>
-
-<file path=ppt/tags/tag137.xml><?xml version="1.0" encoding="utf-8"?>
-<p:tagLst xmlns:a="http://schemas.openxmlformats.org/drawingml/2006/main" xmlns:r="http://schemas.openxmlformats.org/officeDocument/2006/relationships" xmlns:p="http://schemas.openxmlformats.org/presentationml/2006/main">
-  <p:tag name="COLORSETCLASSNAME" val="ColorSet2"/>
-  <p:tag name="COLORS" val="-2;-2;-2;-2;-1;-2"/>
-</p:tagLst>
-</file>
-
-<file path=ppt/tags/tag138.xml><?xml version="1.0" encoding="utf-8"?>
-<p:tagLst xmlns:a="http://schemas.openxmlformats.org/drawingml/2006/main" xmlns:r="http://schemas.openxmlformats.org/officeDocument/2006/relationships" xmlns:p="http://schemas.openxmlformats.org/presentationml/2006/main">
-  <p:tag name="FIELD.CHAPTER.CONTENT" val="Header of section"/>
-  <p:tag name="FIELD.CHAPTER.VALUE" val="Header of section"/>
-  <p:tag name="FIELD.DPT.CONTENT" val="RBEI/BSB"/>
-  <p:tag name="FIELD.DPT.VALUE" val="RBEI/BSB | "/>
-  <p:tag name="FIELDS.INITIALIZED" val="1"/>
-  <p:tag name="ML_1" val="RBEI_Kor"/>
-  <p:tag name="ML_2" val="Bosch2.mcr"/>
-  <p:tag name="ML_LAYOUT_RESOURCE" val="BOSCH2_16_9_NAVI.mcr"/>
-  <p:tag name="SHAPESETGROUPCLASSNAME" val="ShapeSetGroup1"/>
-  <p:tag name="SHAPESETCLASSNAME" val="TwoObjects"/>
-  <p:tag name="COLORSETGROUPCLASSNAME" val="ColorSetGroup7"/>
-  <p:tag name="COLORSETCLASSNAME" val="ColorSet2"/>
-  <p:tag name="FONTSETGROUPCLASSNAME" val="FontSetGroup1"/>
-  <p:tag name="STYLESETGROUPCLASSNAME" val="StyleSetGroup1"/>
-  <p:tag name="MAPNAME" val="Map1"/>
-  <p:tag name="CFG.LAYOUT" val="BOSCH2"/>
-  <p:tag name="MLI" val="1"/>
-  <p:tag name="TEXTBOX 4_SHAPECLASSPROTECTIONTYPE" val="31"/>
-  <p:tag name="RECTANGLE 5_SHAPECLASSPROTECTIONTYPE" val="3"/>
-  <p:tag name="RECTANGLE 6_SHAPECLASSPROTECTIONTYPE" val="63"/>
-  <p:tag name="RECTANGLE 7_SHAPECLASSPROTECTIONTYPE" val="63"/>
-  <p:tag name="RECTANGLE 8_SHAPECLASSPROTECTIONTYPE" val="63"/>
-  <p:tag name="CONTENT PLACEHOLDER 3_SHAPECLASSPROTECTIONTYPE" val="0"/>
-  <p:tag name="CONTENT PLACEHOLDER 2_SHAPECLASSPROTECTIONTYPE" val="0"/>
-  <p:tag name="TEXTBOX 9_SHAPECLASSPROTECTIONTYPE" val="25"/>
-  <p:tag name="TITLE 1_SHAPECLASSPROTECTIONTYPE" val="9"/>
-  <p:tag name="CONTENT PLACEHOLDER 13_SHAPECLASSPROTECTIONTYPE" val="0"/>
-  <p:tag name="CONTENT PLACEHOLDER 14_SHAPECLASSPROTECTIONTYPE" val="0"/>
-  <p:tag name="PICTURE 12_SHAPECLASSPROTECTIONTYPE" val="15"/>
-  <p:tag name="CONTENT PLACEHOLDER 18_SHAPECLASSPROTECTIONTYPE" val="0"/>
-  <p:tag name="CONTENT PLACEHOLDER 19_SHAPECLASSPROTECTIONTYPE" val="0"/>
-  <p:tag name="PICTURE 17_SHAPECLASSPROTECTIONTYPE" val="15"/>
-</p:tagLst>
-</file>
-
-<file path=ppt/tags/tag139.xml><?xml version="1.0" encoding="utf-8"?>
-<p:tagLst xmlns:a="http://schemas.openxmlformats.org/drawingml/2006/main" xmlns:r="http://schemas.openxmlformats.org/officeDocument/2006/relationships" xmlns:p="http://schemas.openxmlformats.org/presentationml/2006/main">
-  <p:tag name="FONT" val="Reg28"/>
-  <p:tag name="FONTSETCLASSNAME" val="FontSet1"/>
-  <p:tag name="COLORSETCLASSNAME" val="ColorSet1"/>
-  <p:tag name="SCRIPT" val="1"/>
-  <p:tag name="FIELDS" val="CHAPTER;"/>
-  <p:tag name="MLI" val="1"/>
-  <p:tag name="SHAPESETGROUPCLASSNAME" val="ShapeSetGroup1"/>
-  <p:tag name="SHAPESETCLASSNAME" val="TwoObjects"/>
-  <p:tag name="COLORSETGROUPCLASSNAME" val="ColorSetGroup7"/>
-  <p:tag name="FONTSETGROUPCLASSNAME" val="FontSetGroup1"/>
-  <p:tag name="SHAPECLASSNAME" val="Chapterbox"/>
-  <p:tag name="SHAPECLASSPROTECTIONTYPE" val="25"/>
-  <p:tag name="COLORS" val="-2;-2;-2;-2;-1;-2"/>
-</p:tagLst>
-</file>
-
-<file path=ppt/tags/tag14.xml><?xml version="1.0" encoding="utf-8"?>
-<p:tagLst xmlns:a="http://schemas.openxmlformats.org/drawingml/2006/main" xmlns:r="http://schemas.openxmlformats.org/officeDocument/2006/relationships" xmlns:p="http://schemas.openxmlformats.org/presentationml/2006/main">
-  <p:tag name="COLORSETCLASSNAME" val="ColorSet2"/>
-  <p:tag name="COLORS" val="-2;-2;-2;-2;-1;-2"/>
-</p:tagLst>
-</file>
-
-<file path=ppt/tags/tag140.xml><?xml version="1.0" encoding="utf-8"?>
-<p:tagLst xmlns:a="http://schemas.openxmlformats.org/drawingml/2006/main" xmlns:r="http://schemas.openxmlformats.org/officeDocument/2006/relationships" xmlns:p="http://schemas.openxmlformats.org/presentationml/2006/main">
   <p:tag name="FONT" val="Bold6"/>
   <p:tag name="FONT2" val="Reg6"/>
   <p:tag name="FONT3" val="Reg6"/>
@@ -32508,7 +31710,7 @@
 </p:tagLst>
 </file>
 
-<file path=ppt/tags/tag141.xml><?xml version="1.0" encoding="utf-8"?>
+<file path=ppt/tags/tag133.xml><?xml version="1.0" encoding="utf-8"?>
 <p:tagLst xmlns:a="http://schemas.openxmlformats.org/drawingml/2006/main" xmlns:r="http://schemas.openxmlformats.org/officeDocument/2006/relationships" xmlns:p="http://schemas.openxmlformats.org/presentationml/2006/main">
   <p:tag name="FONT" val="Reg6"/>
   <p:tag name="FONTSETCLASSNAME" val="FontSet1"/>
@@ -32530,7 +31732,7 @@
 </p:tagLst>
 </file>
 
-<file path=ppt/tags/tag142.xml><?xml version="1.0" encoding="utf-8"?>
+<file path=ppt/tags/tag134.xml><?xml version="1.0" encoding="utf-8"?>
 <p:tagLst xmlns:a="http://schemas.openxmlformats.org/drawingml/2006/main" xmlns:r="http://schemas.openxmlformats.org/officeDocument/2006/relationships" xmlns:p="http://schemas.openxmlformats.org/presentationml/2006/main">
   <p:tag name="FONT" val="Reg12"/>
   <p:tag name="FONTSETCLASSNAME" val="FontSet1"/>
@@ -32547,7 +31749,7 @@
 </p:tagLst>
 </file>
 
-<file path=ppt/tags/tag143.xml><?xml version="1.0" encoding="utf-8"?>
+<file path=ppt/tags/tag135.xml><?xml version="1.0" encoding="utf-8"?>
 <p:tagLst xmlns:a="http://schemas.openxmlformats.org/drawingml/2006/main" xmlns:r="http://schemas.openxmlformats.org/officeDocument/2006/relationships" xmlns:p="http://schemas.openxmlformats.org/presentationml/2006/main">
   <p:tag name="FONT" val="Reg5x5"/>
   <p:tag name="FONTSETCLASSNAME" val="FontSet1"/>
@@ -32565,7 +31767,7 @@
 </p:tagLst>
 </file>
 
-<file path=ppt/tags/tag144.xml><?xml version="1.0" encoding="utf-8"?>
+<file path=ppt/tags/tag136.xml><?xml version="1.0" encoding="utf-8"?>
 <p:tagLst xmlns:a="http://schemas.openxmlformats.org/drawingml/2006/main" xmlns:r="http://schemas.openxmlformats.org/officeDocument/2006/relationships" xmlns:p="http://schemas.openxmlformats.org/presentationml/2006/main">
   <p:tag name="FONT" val="Reg28"/>
   <p:tag name="FONTSETCLASSNAME" val="FontSet1"/>
@@ -32584,28 +31786,35 @@
 </p:tagLst>
 </file>
 
-<file path=ppt/tags/tag145.xml><?xml version="1.0" encoding="utf-8"?>
+<file path=ppt/tags/tag137.xml><?xml version="1.0" encoding="utf-8"?>
 <p:tagLst xmlns:a="http://schemas.openxmlformats.org/drawingml/2006/main" xmlns:r="http://schemas.openxmlformats.org/officeDocument/2006/relationships" xmlns:p="http://schemas.openxmlformats.org/presentationml/2006/main">
   <p:tag name="COLORSETCLASSNAME" val="ColorSet2"/>
   <p:tag name="COLORS" val="-1;-1;-1;-1;-1;-2"/>
 </p:tagLst>
 </file>
 
-<file path=ppt/tags/tag146.xml><?xml version="1.0" encoding="utf-8"?>
+<file path=ppt/tags/tag138.xml><?xml version="1.0" encoding="utf-8"?>
 <p:tagLst xmlns:a="http://schemas.openxmlformats.org/drawingml/2006/main" xmlns:r="http://schemas.openxmlformats.org/officeDocument/2006/relationships" xmlns:p="http://schemas.openxmlformats.org/presentationml/2006/main">
   <p:tag name="COLORSETCLASSNAME" val="ColorSet2"/>
   <p:tag name="COLORS" val="-2;-2;-2;-2;-1;-2"/>
 </p:tagLst>
 </file>
 
-<file path=ppt/tags/tag147.xml><?xml version="1.0" encoding="utf-8"?>
+<file path=ppt/tags/tag139.xml><?xml version="1.0" encoding="utf-8"?>
 <p:tagLst xmlns:a="http://schemas.openxmlformats.org/drawingml/2006/main" xmlns:r="http://schemas.openxmlformats.org/officeDocument/2006/relationships" xmlns:p="http://schemas.openxmlformats.org/presentationml/2006/main">
   <p:tag name="COLORSETCLASSNAME" val="ColorSet2"/>
   <p:tag name="COLORS" val="-2;-2;-2;-2;-1;-2"/>
 </p:tagLst>
 </file>
 
-<file path=ppt/tags/tag148.xml><?xml version="1.0" encoding="utf-8"?>
+<file path=ppt/tags/tag14.xml><?xml version="1.0" encoding="utf-8"?>
+<p:tagLst xmlns:a="http://schemas.openxmlformats.org/drawingml/2006/main" xmlns:r="http://schemas.openxmlformats.org/officeDocument/2006/relationships" xmlns:p="http://schemas.openxmlformats.org/presentationml/2006/main">
+  <p:tag name="COLORSETCLASSNAME" val="ColorSet2"/>
+  <p:tag name="COLORS" val="-2;-2;-2;-2;-1;-2"/>
+</p:tagLst>
+</file>
+
+<file path=ppt/tags/tag140.xml><?xml version="1.0" encoding="utf-8"?>
 <p:tagLst xmlns:a="http://schemas.openxmlformats.org/drawingml/2006/main" xmlns:r="http://schemas.openxmlformats.org/officeDocument/2006/relationships" xmlns:p="http://schemas.openxmlformats.org/presentationml/2006/main">
   <p:tag name="ML_1" val="RBEI_Kor"/>
   <p:tag name="ML_2" val="Bosch2.mcr"/>
@@ -32645,21 +31854,14 @@
 </p:tagLst>
 </file>
 
-<file path=ppt/tags/tag149.xml><?xml version="1.0" encoding="utf-8"?>
+<file path=ppt/tags/tag141.xml><?xml version="1.0" encoding="utf-8"?>
 <p:tagLst xmlns:a="http://schemas.openxmlformats.org/drawingml/2006/main" xmlns:r="http://schemas.openxmlformats.org/officeDocument/2006/relationships" xmlns:p="http://schemas.openxmlformats.org/presentationml/2006/main">
   <p:tag name="COLORSETCLASSNAME" val="ColorSet2"/>
   <p:tag name="COLORS" val="LightGray;-1;-2;-2;-1;-2"/>
 </p:tagLst>
 </file>
 
-<file path=ppt/tags/tag15.xml><?xml version="1.0" encoding="utf-8"?>
-<p:tagLst xmlns:a="http://schemas.openxmlformats.org/drawingml/2006/main" xmlns:r="http://schemas.openxmlformats.org/officeDocument/2006/relationships" xmlns:p="http://schemas.openxmlformats.org/presentationml/2006/main">
-  <p:tag name="COLORSETCLASSNAME" val="ColorSet2"/>
-  <p:tag name="COLORS" val="-2;-2;-2;-2;-1;-2"/>
-</p:tagLst>
-</file>
-
-<file path=ppt/tags/tag150.xml><?xml version="1.0" encoding="utf-8"?>
+<file path=ppt/tags/tag142.xml><?xml version="1.0" encoding="utf-8"?>
 <p:tagLst xmlns:a="http://schemas.openxmlformats.org/drawingml/2006/main" xmlns:r="http://schemas.openxmlformats.org/officeDocument/2006/relationships" xmlns:p="http://schemas.openxmlformats.org/presentationml/2006/main">
   <p:tag name="FONT" val="Reg6"/>
   <p:tag name="FONTSETCLASSNAME" val="FontSet1"/>
@@ -32681,7 +31883,7 @@
 </p:tagLst>
 </file>
 
-<file path=ppt/tags/tag151.xml><?xml version="1.0" encoding="utf-8"?>
+<file path=ppt/tags/tag143.xml><?xml version="1.0" encoding="utf-8"?>
 <p:tagLst xmlns:a="http://schemas.openxmlformats.org/drawingml/2006/main" xmlns:r="http://schemas.openxmlformats.org/officeDocument/2006/relationships" xmlns:p="http://schemas.openxmlformats.org/presentationml/2006/main">
   <p:tag name="FONT" val="Reg12"/>
   <p:tag name="FONTSETCLASSNAME" val="FontSet1"/>
@@ -32698,7 +31900,7 @@
 </p:tagLst>
 </file>
 
-<file path=ppt/tags/tag152.xml><?xml version="1.0" encoding="utf-8"?>
+<file path=ppt/tags/tag144.xml><?xml version="1.0" encoding="utf-8"?>
 <p:tagLst xmlns:a="http://schemas.openxmlformats.org/drawingml/2006/main" xmlns:r="http://schemas.openxmlformats.org/officeDocument/2006/relationships" xmlns:p="http://schemas.openxmlformats.org/presentationml/2006/main">
   <p:tag name="FONT" val="Reg5x5"/>
   <p:tag name="FONTSETCLASSNAME" val="FontSet1"/>
@@ -32716,9 +31918,95 @@
 </p:tagLst>
 </file>
 
+<file path=ppt/tags/tag145.xml><?xml version="1.0" encoding="utf-8"?>
+<p:tagLst xmlns:a="http://schemas.openxmlformats.org/drawingml/2006/main" xmlns:r="http://schemas.openxmlformats.org/officeDocument/2006/relationships" xmlns:p="http://schemas.openxmlformats.org/presentationml/2006/main">
+  <p:tag name="COLORSETCLASSNAME" val="ColorSet2"/>
+  <p:tag name="COLORS" val="-2;-2;-2;-2;-1;-2"/>
+</p:tagLst>
+</file>
+
+<file path=ppt/tags/tag146.xml><?xml version="1.0" encoding="utf-8"?>
+<p:tagLst xmlns:a="http://schemas.openxmlformats.org/drawingml/2006/main" xmlns:r="http://schemas.openxmlformats.org/officeDocument/2006/relationships" xmlns:p="http://schemas.openxmlformats.org/presentationml/2006/main">
+  <p:tag name="COLORSETCLASSNAME" val="ColorSet2"/>
+  <p:tag name="COLORS" val="-2;-2;-2;-2;-1;-2"/>
+</p:tagLst>
+</file>
+
+<file path=ppt/tags/tag147.xml><?xml version="1.0" encoding="utf-8"?>
+<p:tagLst xmlns:a="http://schemas.openxmlformats.org/drawingml/2006/main" xmlns:r="http://schemas.openxmlformats.org/officeDocument/2006/relationships" xmlns:p="http://schemas.openxmlformats.org/presentationml/2006/main">
+  <p:tag name="COLORSETCLASSNAME" val="ColorSet2"/>
+  <p:tag name="COLORS" val="-2;-2;Violet;-1;-1;-2"/>
+</p:tagLst>
+</file>
+
+<file path=ppt/tags/tag148.xml><?xml version="1.0" encoding="utf-8"?>
+<p:tagLst xmlns:a="http://schemas.openxmlformats.org/drawingml/2006/main" xmlns:r="http://schemas.openxmlformats.org/officeDocument/2006/relationships" xmlns:p="http://schemas.openxmlformats.org/presentationml/2006/main">
+  <p:tag name="COLORSETCLASSNAME" val="ColorSet2"/>
+  <p:tag name="COLORS" val="-2;-2;-2;-2;-1;-2"/>
+</p:tagLst>
+</file>
+
+<file path=ppt/tags/tag149.xml><?xml version="1.0" encoding="utf-8"?>
+<p:tagLst xmlns:a="http://schemas.openxmlformats.org/drawingml/2006/main" xmlns:r="http://schemas.openxmlformats.org/officeDocument/2006/relationships" xmlns:p="http://schemas.openxmlformats.org/presentationml/2006/main">
+  <p:tag name="COLORSETCLASSNAME" val="ColorSet2"/>
+  <p:tag name="COLORS" val="-2;-2;-2;-2;-1;-2"/>
+</p:tagLst>
+</file>
+
+<file path=ppt/tags/tag15.xml><?xml version="1.0" encoding="utf-8"?>
+<p:tagLst xmlns:a="http://schemas.openxmlformats.org/drawingml/2006/main" xmlns:r="http://schemas.openxmlformats.org/officeDocument/2006/relationships" xmlns:p="http://schemas.openxmlformats.org/presentationml/2006/main">
+  <p:tag name="COLORSETCLASSNAME" val="ColorSet2"/>
+  <p:tag name="COLORS" val="-2;-2;-2;-2;-1;-2"/>
+</p:tagLst>
+</file>
+
+<file path=ppt/tags/tag150.xml><?xml version="1.0" encoding="utf-8"?>
+<p:tagLst xmlns:a="http://schemas.openxmlformats.org/drawingml/2006/main" xmlns:r="http://schemas.openxmlformats.org/officeDocument/2006/relationships" xmlns:p="http://schemas.openxmlformats.org/presentationml/2006/main">
+  <p:tag name="COLORSETCLASSNAME" val="ColorSet2"/>
+  <p:tag name="COLORS" val="-2;-2;-2;-2;-1;-2"/>
+</p:tagLst>
+</file>
+
+<file path=ppt/tags/tag151.xml><?xml version="1.0" encoding="utf-8"?>
+<p:tagLst xmlns:a="http://schemas.openxmlformats.org/drawingml/2006/main" xmlns:r="http://schemas.openxmlformats.org/officeDocument/2006/relationships" xmlns:p="http://schemas.openxmlformats.org/presentationml/2006/main">
+  <p:tag name="COLORSETCLASSNAME" val="ColorSet2"/>
+  <p:tag name="COLORS" val="-2;-2;-2;-2;-1;-2"/>
+</p:tagLst>
+</file>
+
+<file path=ppt/tags/tag152.xml><?xml version="1.0" encoding="utf-8"?>
+<p:tagLst xmlns:a="http://schemas.openxmlformats.org/drawingml/2006/main" xmlns:r="http://schemas.openxmlformats.org/officeDocument/2006/relationships" xmlns:p="http://schemas.openxmlformats.org/presentationml/2006/main">
+  <p:tag name="FONT" val="Reg28"/>
+  <p:tag name="FONTSETCLASSNAME" val="FontSet1"/>
+  <p:tag name="COLORSETCLASSNAME" val="ColorSet1"/>
+  <p:tag name="SCRIPT" val="1"/>
+  <p:tag name="FIELDS" val="CHAPTER;"/>
+  <p:tag name="MLI" val="1"/>
+  <p:tag name="SHAPESETGROUPCLASSNAME" val="ShapeSetGroup1"/>
+  <p:tag name="SHAPESETCLASSNAME" val="Object"/>
+  <p:tag name="COLORSETGROUPCLASSNAME" val="ColorSetGroup1"/>
+  <p:tag name="FONTSETGROUPCLASSNAME" val="FontSetGroup1"/>
+  <p:tag name="SHAPECLASSNAME" val="Chapterbox"/>
+  <p:tag name="SHAPECLASSPROTECTIONTYPE" val="25"/>
+  <p:tag name="COLORS" val="-2;-2;-2;-2;-1;-2"/>
+</p:tagLst>
+</file>
+
 <file path=ppt/tags/tag153.xml><?xml version="1.0" encoding="utf-8"?>
 <p:tagLst xmlns:a="http://schemas.openxmlformats.org/drawingml/2006/main" xmlns:r="http://schemas.openxmlformats.org/officeDocument/2006/relationships" xmlns:p="http://schemas.openxmlformats.org/presentationml/2006/main">
+  <p:tag name="FONT" val="Reg28"/>
+  <p:tag name="FONTSETCLASSNAME" val="FontSet1"/>
+  <p:tag name="FONTCOLOR" val="Primary"/>
+  <p:tag name="FONTCOLOR2" val="Primary"/>
+  <p:tag name="RUNS.FONT" val="2"/>
   <p:tag name="COLORSETCLASSNAME" val="ColorSet2"/>
+  <p:tag name="MLI" val="1"/>
+  <p:tag name="SHAPESETGROUPCLASSNAME" val="ShapeSetGroup1"/>
+  <p:tag name="SHAPESETCLASSNAME" val="ObjectStacked"/>
+  <p:tag name="COLORSETGROUPCLASSNAME" val="ColorSetGroup1"/>
+  <p:tag name="FONTSETGROUPCLASSNAME" val="FontSetGroup1"/>
+  <p:tag name="SHAPECLASSNAME" val="TitleOnSlides"/>
+  <p:tag name="SHAPECLASSPROTECTIONTYPE" val="9"/>
   <p:tag name="COLORS" val="-2;-2;-2;-2;-1;-2"/>
 </p:tagLst>
 </file>
@@ -32726,21 +32014,21 @@
 <file path=ppt/tags/tag154.xml><?xml version="1.0" encoding="utf-8"?>
 <p:tagLst xmlns:a="http://schemas.openxmlformats.org/drawingml/2006/main" xmlns:r="http://schemas.openxmlformats.org/officeDocument/2006/relationships" xmlns:p="http://schemas.openxmlformats.org/presentationml/2006/main">
   <p:tag name="COLORSETCLASSNAME" val="ColorSet2"/>
-  <p:tag name="COLORS" val="-2;-2;-2;-2;-1;-2"/>
+  <p:tag name="COLORS" val="-1;-1;-2;-2;-1;-2"/>
 </p:tagLst>
 </file>
 
 <file path=ppt/tags/tag155.xml><?xml version="1.0" encoding="utf-8"?>
 <p:tagLst xmlns:a="http://schemas.openxmlformats.org/drawingml/2006/main" xmlns:r="http://schemas.openxmlformats.org/officeDocument/2006/relationships" xmlns:p="http://schemas.openxmlformats.org/presentationml/2006/main">
   <p:tag name="COLORSETCLASSNAME" val="ColorSet2"/>
-  <p:tag name="COLORS" val="-2;-2;Violet;-1;-1;-2"/>
+  <p:tag name="COLORS" val="-2;-2;-2;-2;-1;-2"/>
 </p:tagLst>
 </file>
 
 <file path=ppt/tags/tag156.xml><?xml version="1.0" encoding="utf-8"?>
 <p:tagLst xmlns:a="http://schemas.openxmlformats.org/drawingml/2006/main" xmlns:r="http://schemas.openxmlformats.org/officeDocument/2006/relationships" xmlns:p="http://schemas.openxmlformats.org/presentationml/2006/main">
   <p:tag name="COLORSETCLASSNAME" val="ColorSet2"/>
-  <p:tag name="COLORS" val="-2;-2;-2;-2;-1;-2"/>
+  <p:tag name="COLORS" val="-2;-2;Magenta;-1;-1;-2"/>
 </p:tagLst>
 </file>
 
@@ -32759,92 +32047,6 @@
 </file>
 
 <file path=ppt/tags/tag159.xml><?xml version="1.0" encoding="utf-8"?>
-<p:tagLst xmlns:a="http://schemas.openxmlformats.org/drawingml/2006/main" xmlns:r="http://schemas.openxmlformats.org/officeDocument/2006/relationships" xmlns:p="http://schemas.openxmlformats.org/presentationml/2006/main">
-  <p:tag name="COLORSETCLASSNAME" val="ColorSet2"/>
-  <p:tag name="COLORS" val="-2;-2;-2;-2;-1;-2"/>
-</p:tagLst>
-</file>
-
-<file path=ppt/tags/tag16.xml><?xml version="1.0" encoding="utf-8"?>
-<p:tagLst xmlns:a="http://schemas.openxmlformats.org/drawingml/2006/main" xmlns:r="http://schemas.openxmlformats.org/officeDocument/2006/relationships" xmlns:p="http://schemas.openxmlformats.org/presentationml/2006/main">
-  <p:tag name="COLORSETCLASSNAME" val="ColorSet2"/>
-  <p:tag name="COLORS" val="-2;-2;-2;-2;-1;-2"/>
-</p:tagLst>
-</file>
-
-<file path=ppt/tags/tag160.xml><?xml version="1.0" encoding="utf-8"?>
-<p:tagLst xmlns:a="http://schemas.openxmlformats.org/drawingml/2006/main" xmlns:r="http://schemas.openxmlformats.org/officeDocument/2006/relationships" xmlns:p="http://schemas.openxmlformats.org/presentationml/2006/main">
-  <p:tag name="FONT" val="Reg28"/>
-  <p:tag name="FONTSETCLASSNAME" val="FontSet1"/>
-  <p:tag name="COLORSETCLASSNAME" val="ColorSet1"/>
-  <p:tag name="SCRIPT" val="1"/>
-  <p:tag name="FIELDS" val="CHAPTER;"/>
-  <p:tag name="MLI" val="1"/>
-  <p:tag name="SHAPESETGROUPCLASSNAME" val="ShapeSetGroup1"/>
-  <p:tag name="SHAPESETCLASSNAME" val="Object"/>
-  <p:tag name="COLORSETGROUPCLASSNAME" val="ColorSetGroup1"/>
-  <p:tag name="FONTSETGROUPCLASSNAME" val="FontSetGroup1"/>
-  <p:tag name="SHAPECLASSNAME" val="Chapterbox"/>
-  <p:tag name="SHAPECLASSPROTECTIONTYPE" val="25"/>
-  <p:tag name="COLORS" val="-2;-2;-2;-2;-1;-2"/>
-</p:tagLst>
-</file>
-
-<file path=ppt/tags/tag161.xml><?xml version="1.0" encoding="utf-8"?>
-<p:tagLst xmlns:a="http://schemas.openxmlformats.org/drawingml/2006/main" xmlns:r="http://schemas.openxmlformats.org/officeDocument/2006/relationships" xmlns:p="http://schemas.openxmlformats.org/presentationml/2006/main">
-  <p:tag name="FONT" val="Reg28"/>
-  <p:tag name="FONTSETCLASSNAME" val="FontSet1"/>
-  <p:tag name="FONTCOLOR" val="Primary"/>
-  <p:tag name="FONTCOLOR2" val="Primary"/>
-  <p:tag name="RUNS.FONT" val="2"/>
-  <p:tag name="COLORSETCLASSNAME" val="ColorSet2"/>
-  <p:tag name="MLI" val="1"/>
-  <p:tag name="SHAPESETGROUPCLASSNAME" val="ShapeSetGroup1"/>
-  <p:tag name="SHAPESETCLASSNAME" val="ObjectStacked"/>
-  <p:tag name="COLORSETGROUPCLASSNAME" val="ColorSetGroup1"/>
-  <p:tag name="FONTSETGROUPCLASSNAME" val="FontSetGroup1"/>
-  <p:tag name="SHAPECLASSNAME" val="TitleOnSlides"/>
-  <p:tag name="SHAPECLASSPROTECTIONTYPE" val="9"/>
-  <p:tag name="COLORS" val="-2;-2;-2;-2;-1;-2"/>
-</p:tagLst>
-</file>
-
-<file path=ppt/tags/tag162.xml><?xml version="1.0" encoding="utf-8"?>
-<p:tagLst xmlns:a="http://schemas.openxmlformats.org/drawingml/2006/main" xmlns:r="http://schemas.openxmlformats.org/officeDocument/2006/relationships" xmlns:p="http://schemas.openxmlformats.org/presentationml/2006/main">
-  <p:tag name="COLORSETCLASSNAME" val="ColorSet2"/>
-  <p:tag name="COLORS" val="-1;-1;-2;-2;-1;-2"/>
-</p:tagLst>
-</file>
-
-<file path=ppt/tags/tag163.xml><?xml version="1.0" encoding="utf-8"?>
-<p:tagLst xmlns:a="http://schemas.openxmlformats.org/drawingml/2006/main" xmlns:r="http://schemas.openxmlformats.org/officeDocument/2006/relationships" xmlns:p="http://schemas.openxmlformats.org/presentationml/2006/main">
-  <p:tag name="COLORSETCLASSNAME" val="ColorSet2"/>
-  <p:tag name="COLORS" val="-2;-2;-2;-2;-1;-2"/>
-</p:tagLst>
-</file>
-
-<file path=ppt/tags/tag164.xml><?xml version="1.0" encoding="utf-8"?>
-<p:tagLst xmlns:a="http://schemas.openxmlformats.org/drawingml/2006/main" xmlns:r="http://schemas.openxmlformats.org/officeDocument/2006/relationships" xmlns:p="http://schemas.openxmlformats.org/presentationml/2006/main">
-  <p:tag name="COLORSETCLASSNAME" val="ColorSet2"/>
-  <p:tag name="COLORS" val="-2;-2;Magenta;-1;-1;-2"/>
-</p:tagLst>
-</file>
-
-<file path=ppt/tags/tag165.xml><?xml version="1.0" encoding="utf-8"?>
-<p:tagLst xmlns:a="http://schemas.openxmlformats.org/drawingml/2006/main" xmlns:r="http://schemas.openxmlformats.org/officeDocument/2006/relationships" xmlns:p="http://schemas.openxmlformats.org/presentationml/2006/main">
-  <p:tag name="COLORSETCLASSNAME" val="ColorSet2"/>
-  <p:tag name="COLORS" val="-2;-2;-2;-2;-1;-2"/>
-</p:tagLst>
-</file>
-
-<file path=ppt/tags/tag166.xml><?xml version="1.0" encoding="utf-8"?>
-<p:tagLst xmlns:a="http://schemas.openxmlformats.org/drawingml/2006/main" xmlns:r="http://schemas.openxmlformats.org/officeDocument/2006/relationships" xmlns:p="http://schemas.openxmlformats.org/presentationml/2006/main">
-  <p:tag name="COLORSETCLASSNAME" val="ColorSet2"/>
-  <p:tag name="COLORS" val="-2;-2;-2;-2;-1;-2"/>
-</p:tagLst>
-</file>
-
-<file path=ppt/tags/tag167.xml><?xml version="1.0" encoding="utf-8"?>
 <p:tagLst xmlns:a="http://schemas.openxmlformats.org/drawingml/2006/main" xmlns:r="http://schemas.openxmlformats.org/officeDocument/2006/relationships" xmlns:p="http://schemas.openxmlformats.org/presentationml/2006/main">
   <p:tag name="FIELD.CHAPTER.CONTENT" val="Header of section"/>
   <p:tag name="FIELD.CHAPTER.VALUE" val="Header of section"/>
@@ -32884,7 +32086,14 @@
 </p:tagLst>
 </file>
 
-<file path=ppt/tags/tag168.xml><?xml version="1.0" encoding="utf-8"?>
+<file path=ppt/tags/tag16.xml><?xml version="1.0" encoding="utf-8"?>
+<p:tagLst xmlns:a="http://schemas.openxmlformats.org/drawingml/2006/main" xmlns:r="http://schemas.openxmlformats.org/officeDocument/2006/relationships" xmlns:p="http://schemas.openxmlformats.org/presentationml/2006/main">
+  <p:tag name="COLORSETCLASSNAME" val="ColorSet2"/>
+  <p:tag name="COLORS" val="-2;-2;-2;-2;-1;-2"/>
+</p:tagLst>
+</file>
+
+<file path=ppt/tags/tag160.xml><?xml version="1.0" encoding="utf-8"?>
 <p:tagLst xmlns:a="http://schemas.openxmlformats.org/drawingml/2006/main" xmlns:r="http://schemas.openxmlformats.org/officeDocument/2006/relationships" xmlns:p="http://schemas.openxmlformats.org/presentationml/2006/main">
   <p:tag name="FONT" val="Reg6"/>
   <p:tag name="FONTSETCLASSNAME" val="FontSet1"/>
@@ -32906,7 +32115,7 @@
 </p:tagLst>
 </file>
 
-<file path=ppt/tags/tag169.xml><?xml version="1.0" encoding="utf-8"?>
+<file path=ppt/tags/tag161.xml><?xml version="1.0" encoding="utf-8"?>
 <p:tagLst xmlns:a="http://schemas.openxmlformats.org/drawingml/2006/main" xmlns:r="http://schemas.openxmlformats.org/officeDocument/2006/relationships" xmlns:p="http://schemas.openxmlformats.org/presentationml/2006/main">
   <p:tag name="FONT" val="Reg12"/>
   <p:tag name="FONTSETCLASSNAME" val="FontSet1"/>
@@ -32923,14 +32132,7 @@
 </p:tagLst>
 </file>
 
-<file path=ppt/tags/tag17.xml><?xml version="1.0" encoding="utf-8"?>
-<p:tagLst xmlns:a="http://schemas.openxmlformats.org/drawingml/2006/main" xmlns:r="http://schemas.openxmlformats.org/officeDocument/2006/relationships" xmlns:p="http://schemas.openxmlformats.org/presentationml/2006/main">
-  <p:tag name="COLORSETCLASSNAME" val="ColorSet2"/>
-  <p:tag name="COLORS" val="-2;-2;-2;-2;-1;-2"/>
-</p:tagLst>
-</file>
-
-<file path=ppt/tags/tag170.xml><?xml version="1.0" encoding="utf-8"?>
+<file path=ppt/tags/tag162.xml><?xml version="1.0" encoding="utf-8"?>
 <p:tagLst xmlns:a="http://schemas.openxmlformats.org/drawingml/2006/main" xmlns:r="http://schemas.openxmlformats.org/officeDocument/2006/relationships" xmlns:p="http://schemas.openxmlformats.org/presentationml/2006/main">
   <p:tag name="FONT" val="Reg5x5"/>
   <p:tag name="FONTSETCLASSNAME" val="FontSet1"/>
@@ -32948,7 +32150,7 @@
 </p:tagLst>
 </file>
 
-<file path=ppt/tags/tag171.xml><?xml version="1.0" encoding="utf-8"?>
+<file path=ppt/tags/tag163.xml><?xml version="1.0" encoding="utf-8"?>
 <p:tagLst xmlns:a="http://schemas.openxmlformats.org/drawingml/2006/main" xmlns:r="http://schemas.openxmlformats.org/officeDocument/2006/relationships" xmlns:p="http://schemas.openxmlformats.org/presentationml/2006/main">
   <p:tag name="FONT" val="NavbarItem"/>
   <p:tag name="FONTSETCLASSNAME" val="FontSet1"/>
@@ -32964,35 +32166,35 @@
 </p:tagLst>
 </file>
 
-<file path=ppt/tags/tag172.xml><?xml version="1.0" encoding="utf-8"?>
+<file path=ppt/tags/tag164.xml><?xml version="1.0" encoding="utf-8"?>
 <p:tagLst xmlns:a="http://schemas.openxmlformats.org/drawingml/2006/main" xmlns:r="http://schemas.openxmlformats.org/officeDocument/2006/relationships" xmlns:p="http://schemas.openxmlformats.org/presentationml/2006/main">
   <p:tag name="COLORSETCLASSNAME" val="ColorSet2"/>
   <p:tag name="COLORS" val="-2;-2;-2;-2;-1;-2"/>
 </p:tagLst>
 </file>
 
-<file path=ppt/tags/tag173.xml><?xml version="1.0" encoding="utf-8"?>
+<file path=ppt/tags/tag165.xml><?xml version="1.0" encoding="utf-8"?>
 <p:tagLst xmlns:a="http://schemas.openxmlformats.org/drawingml/2006/main" xmlns:r="http://schemas.openxmlformats.org/officeDocument/2006/relationships" xmlns:p="http://schemas.openxmlformats.org/presentationml/2006/main">
   <p:tag name="COLORSETCLASSNAME" val="ColorSet2"/>
   <p:tag name="COLORS" val="-2;-2;Violet;-1;-1;-2"/>
 </p:tagLst>
 </file>
 
-<file path=ppt/tags/tag174.xml><?xml version="1.0" encoding="utf-8"?>
+<file path=ppt/tags/tag166.xml><?xml version="1.0" encoding="utf-8"?>
 <p:tagLst xmlns:a="http://schemas.openxmlformats.org/drawingml/2006/main" xmlns:r="http://schemas.openxmlformats.org/officeDocument/2006/relationships" xmlns:p="http://schemas.openxmlformats.org/presentationml/2006/main">
   <p:tag name="COLORSETCLASSNAME" val="ColorSet2"/>
   <p:tag name="COLORS" val="-2;-2;-2;-2;-1;-2"/>
 </p:tagLst>
 </file>
 
-<file path=ppt/tags/tag175.xml><?xml version="1.0" encoding="utf-8"?>
+<file path=ppt/tags/tag167.xml><?xml version="1.0" encoding="utf-8"?>
 <p:tagLst xmlns:a="http://schemas.openxmlformats.org/drawingml/2006/main" xmlns:r="http://schemas.openxmlformats.org/officeDocument/2006/relationships" xmlns:p="http://schemas.openxmlformats.org/presentationml/2006/main">
   <p:tag name="COLORSETCLASSNAME" val="ColorSet2"/>
   <p:tag name="COLORS" val="-2;-2;-2;-2;-1;-2"/>
 </p:tagLst>
 </file>
 
-<file path=ppt/tags/tag176.xml><?xml version="1.0" encoding="utf-8"?>
+<file path=ppt/tags/tag168.xml><?xml version="1.0" encoding="utf-8"?>
 <p:tagLst xmlns:a="http://schemas.openxmlformats.org/drawingml/2006/main" xmlns:r="http://schemas.openxmlformats.org/officeDocument/2006/relationships" xmlns:p="http://schemas.openxmlformats.org/presentationml/2006/main">
   <p:tag name="FIELD.CHAPTER.CONTENT" val="Header of section"/>
   <p:tag name="FIELD.CHAPTER.VALUE" val="Header of section"/>
@@ -33019,7 +32221,7 @@
 </p:tagLst>
 </file>
 
-<file path=ppt/tags/tag177.xml><?xml version="1.0" encoding="utf-8"?>
+<file path=ppt/tags/tag169.xml><?xml version="1.0" encoding="utf-8"?>
 <p:tagLst xmlns:a="http://schemas.openxmlformats.org/drawingml/2006/main" xmlns:r="http://schemas.openxmlformats.org/officeDocument/2006/relationships" xmlns:p="http://schemas.openxmlformats.org/presentationml/2006/main">
   <p:tag name="FONT" val="Reg80"/>
   <p:tag name="FONTSETCLASSNAME" val="FontSet1"/>
@@ -33035,7 +32237,14 @@
 </p:tagLst>
 </file>
 
-<file path=ppt/tags/tag178.xml><?xml version="1.0" encoding="utf-8"?>
+<file path=ppt/tags/tag17.xml><?xml version="1.0" encoding="utf-8"?>
+<p:tagLst xmlns:a="http://schemas.openxmlformats.org/drawingml/2006/main" xmlns:r="http://schemas.openxmlformats.org/officeDocument/2006/relationships" xmlns:p="http://schemas.openxmlformats.org/presentationml/2006/main">
+  <p:tag name="COLORSETCLASSNAME" val="ColorSet2"/>
+  <p:tag name="COLORS" val="-2;-2;-2;-2;-1;-2"/>
+</p:tagLst>
+</file>
+
+<file path=ppt/tags/tag170.xml><?xml version="1.0" encoding="utf-8"?>
 <p:tagLst xmlns:a="http://schemas.openxmlformats.org/drawingml/2006/main" xmlns:r="http://schemas.openxmlformats.org/officeDocument/2006/relationships" xmlns:p="http://schemas.openxmlformats.org/presentationml/2006/main">
   <p:tag name="FONT" val="Disguised"/>
   <p:tag name="FONTSETCLASSNAME" val="FontSet1"/>
